--- a/H-01.pptx
+++ b/H-01.pptx
@@ -13,16 +13,21 @@
     <p:sldId id="269" r:id="rId7"/>
     <p:sldId id="257" r:id="rId8"/>
     <p:sldId id="266" r:id="rId9"/>
-    <p:sldId id="271" r:id="rId10"/>
-    <p:sldId id="275" r:id="rId11"/>
-    <p:sldId id="273" r:id="rId12"/>
-    <p:sldId id="274" r:id="rId13"/>
-    <p:sldId id="264" r:id="rId14"/>
-    <p:sldId id="265" r:id="rId15"/>
-    <p:sldId id="270" r:id="rId16"/>
-    <p:sldId id="267" r:id="rId17"/>
-    <p:sldId id="263" r:id="rId18"/>
-    <p:sldId id="277" r:id="rId19"/>
+    <p:sldId id="278" r:id="rId10"/>
+    <p:sldId id="279" r:id="rId11"/>
+    <p:sldId id="271" r:id="rId12"/>
+    <p:sldId id="275" r:id="rId13"/>
+    <p:sldId id="273" r:id="rId14"/>
+    <p:sldId id="274" r:id="rId15"/>
+    <p:sldId id="281" r:id="rId16"/>
+    <p:sldId id="264" r:id="rId17"/>
+    <p:sldId id="265" r:id="rId18"/>
+    <p:sldId id="270" r:id="rId19"/>
+    <p:sldId id="267" r:id="rId20"/>
+    <p:sldId id="280" r:id="rId21"/>
+    <p:sldId id="282" r:id="rId22"/>
+    <p:sldId id="263" r:id="rId23"/>
+    <p:sldId id="277" r:id="rId24"/>
   </p:sldIdLst>
   <p:sldSz cx="12192000" cy="6858000"/>
   <p:notesSz cx="6858000" cy="9144000"/>
@@ -3366,11 +3371,11 @@
           <a:p>
             <a:r>
               <a:rPr lang="en-US" altLang="zh-CN" dirty="0"/>
-              <a:t>H-01 </a:t>
-            </a:r>
-            <a:r>
-              <a:rPr lang="zh-CN" altLang="en-US" dirty="0"/>
-              <a:t>搜索词中文纠错</a:t>
+              <a:t>H-01</a:t>
+            </a:r>
+            <a:r>
+              <a:rPr lang="zh-CN" altLang="en-US" dirty="0"/>
+              <a:t>中文搜索词纠错</a:t>
             </a:r>
           </a:p>
         </p:txBody>
@@ -3396,20 +3401,62 @@
           <a:bodyPr/>
           <a:lstStyle/>
           <a:p>
+            <a:endParaRPr lang="en-US" altLang="zh-CN" dirty="0"/>
+          </a:p>
+          <a:p>
             <a:r>
               <a:rPr lang="zh-CN" altLang="en-US" dirty="0"/>
               <a:t>陈镇霖</a:t>
             </a:r>
+            <a:r>
+              <a:rPr lang="en-US" altLang="zh-CN" dirty="0"/>
+              <a:t>    </a:t>
+            </a:r>
+            <a:r>
+              <a:rPr lang="zh-CN" altLang="en-US" dirty="0"/>
+              <a:t>孙典圣</a:t>
+            </a:r>
             <a:endParaRPr lang="en-US" altLang="zh-CN" dirty="0"/>
           </a:p>
           <a:p>
             <a:r>
-              <a:rPr lang="zh-CN" altLang="en-US" dirty="0"/>
-              <a:t>孙典圣</a:t>
-            </a:r>
-          </a:p>
-        </p:txBody>
-      </p:sp>
+              <a:rPr lang="en-US" altLang="zh-CN" dirty="0"/>
+              <a:t>2019.08.29</a:t>
+            </a:r>
+            <a:endParaRPr lang="zh-CN" altLang="en-US" dirty="0"/>
+          </a:p>
+        </p:txBody>
+      </p:sp>
+      <p:pic>
+        <p:nvPicPr>
+          <p:cNvPr id="4" name="图片 3">
+            <a:extLst>
+              <a:ext uri="{FF2B5EF4-FFF2-40B4-BE49-F238E27FC236}">
+                <a16:creationId xmlns:a16="http://schemas.microsoft.com/office/drawing/2014/main" id="{DF553B46-4163-44C6-A8B1-661C613CCB2A}"/>
+              </a:ext>
+            </a:extLst>
+          </p:cNvPr>
+          <p:cNvPicPr>
+            <a:picLocks noChangeAspect="1"/>
+          </p:cNvPicPr>
+          <p:nvPr/>
+        </p:nvPicPr>
+        <p:blipFill>
+          <a:blip r:embed="rId2"/>
+          <a:stretch>
+            <a:fillRect/>
+          </a:stretch>
+        </p:blipFill>
+        <p:spPr>
+          <a:xfrm>
+            <a:off x="3546194" y="0"/>
+            <a:ext cx="5099612" cy="2328725"/>
+          </a:xfrm>
+          <a:prstGeom prst="rect">
+            <a:avLst/>
+          </a:prstGeom>
+        </p:spPr>
+      </p:pic>
     </p:spTree>
     <p:extLst>
       <p:ext uri="{BB962C8B-B14F-4D97-AF65-F5344CB8AC3E}">
@@ -3424,6 +3471,628 @@
 </file>
 
 <file path=ppt/slides/slide10.xml><?xml version="1.0" encoding="utf-8"?>
+<p:sld xmlns:a="http://schemas.openxmlformats.org/drawingml/2006/main" xmlns:r="http://schemas.openxmlformats.org/officeDocument/2006/relationships" xmlns:p="http://schemas.openxmlformats.org/presentationml/2006/main">
+  <p:cSld>
+    <p:spTree>
+      <p:nvGrpSpPr>
+        <p:cNvPr id="1" name=""/>
+        <p:cNvGrpSpPr/>
+        <p:nvPr/>
+      </p:nvGrpSpPr>
+      <p:grpSpPr>
+        <a:xfrm>
+          <a:off x="0" y="0"/>
+          <a:ext cx="0" cy="0"/>
+          <a:chOff x="0" y="0"/>
+          <a:chExt cx="0" cy="0"/>
+        </a:xfrm>
+      </p:grpSpPr>
+      <p:sp>
+        <p:nvSpPr>
+          <p:cNvPr id="2" name="标题 1">
+            <a:extLst>
+              <a:ext uri="{FF2B5EF4-FFF2-40B4-BE49-F238E27FC236}">
+                <a16:creationId xmlns:a16="http://schemas.microsoft.com/office/drawing/2014/main" id="{B0EE51B1-1B10-42F9-8882-166A45D86425}"/>
+              </a:ext>
+            </a:extLst>
+          </p:cNvPr>
+          <p:cNvSpPr>
+            <a:spLocks noGrp="1"/>
+          </p:cNvSpPr>
+          <p:nvPr>
+            <p:ph type="title"/>
+          </p:nvPr>
+        </p:nvSpPr>
+        <p:spPr/>
+        <p:txBody>
+          <a:bodyPr/>
+          <a:lstStyle/>
+          <a:p>
+            <a:r>
+              <a:rPr lang="zh-CN" altLang="en-US" dirty="0"/>
+              <a:t>语料库生成</a:t>
+            </a:r>
+          </a:p>
+        </p:txBody>
+      </p:sp>
+      <p:sp>
+        <p:nvSpPr>
+          <p:cNvPr id="3" name="内容占位符 2">
+            <a:extLst>
+              <a:ext uri="{FF2B5EF4-FFF2-40B4-BE49-F238E27FC236}">
+                <a16:creationId xmlns:a16="http://schemas.microsoft.com/office/drawing/2014/main" id="{233E8A0C-87B2-4A3C-BD54-203D45381CC7}"/>
+              </a:ext>
+            </a:extLst>
+          </p:cNvPr>
+          <p:cNvSpPr>
+            <a:spLocks noGrp="1"/>
+          </p:cNvSpPr>
+          <p:nvPr>
+            <p:ph idx="1"/>
+          </p:nvPr>
+        </p:nvSpPr>
+        <p:spPr/>
+        <p:txBody>
+          <a:bodyPr/>
+          <a:lstStyle/>
+          <a:p>
+            <a:r>
+              <a:rPr lang="zh-CN" altLang="en-US" dirty="0"/>
+              <a:t>搜狗搜索</a:t>
+            </a:r>
+            <a:r>
+              <a:rPr lang="en-US" altLang="zh-CN" dirty="0"/>
+              <a:t>query</a:t>
+            </a:r>
+            <a:r>
+              <a:rPr lang="zh-CN" altLang="en-US" dirty="0"/>
+              <a:t>日志</a:t>
+            </a:r>
+            <a:endParaRPr lang="en-US" altLang="zh-CN" dirty="0"/>
+          </a:p>
+          <a:p>
+            <a:endParaRPr lang="en-US" altLang="zh-CN" dirty="0"/>
+          </a:p>
+          <a:p>
+            <a:r>
+              <a:rPr lang="zh-CN" altLang="en-US" dirty="0"/>
+              <a:t>雷锋精神 </a:t>
+            </a:r>
+            <a:r>
+              <a:rPr lang="en-US" altLang="zh-CN" dirty="0"/>
+              <a:t>-&gt; </a:t>
+            </a:r>
+            <a:r>
+              <a:rPr lang="zh-CN" altLang="en-US" dirty="0"/>
+              <a:t>霜锋精神</a:t>
+            </a:r>
+            <a:endParaRPr lang="en-US" altLang="zh-CN" dirty="0"/>
+          </a:p>
+          <a:p>
+            <a:r>
+              <a:rPr lang="zh-CN" altLang="en-US" dirty="0"/>
+              <a:t>雷锋精神 </a:t>
+            </a:r>
+            <a:r>
+              <a:rPr lang="en-US" altLang="zh-CN" dirty="0"/>
+              <a:t>-&gt; </a:t>
+            </a:r>
+            <a:r>
+              <a:rPr lang="zh-CN" altLang="en-US" dirty="0"/>
+              <a:t>雷峰精神</a:t>
+            </a:r>
+            <a:endParaRPr lang="en-US" altLang="zh-CN" dirty="0"/>
+          </a:p>
+          <a:p>
+            <a:r>
+              <a:rPr lang="zh-CN" altLang="en-US" dirty="0"/>
+              <a:t>雷锋精神 </a:t>
+            </a:r>
+            <a:r>
+              <a:rPr lang="en-US" altLang="zh-CN" dirty="0"/>
+              <a:t>-&gt; </a:t>
+            </a:r>
+            <a:r>
+              <a:rPr lang="zh-CN" altLang="en-US" dirty="0"/>
+              <a:t>雷锋一神</a:t>
+            </a:r>
+            <a:endParaRPr lang="en-US" altLang="zh-CN" dirty="0"/>
+          </a:p>
+          <a:p>
+            <a:r>
+              <a:rPr lang="zh-CN" altLang="en-US" dirty="0"/>
+              <a:t>雷锋精神 </a:t>
+            </a:r>
+            <a:r>
+              <a:rPr lang="en-US" altLang="zh-CN" dirty="0"/>
+              <a:t>-&gt; </a:t>
+            </a:r>
+            <a:r>
+              <a:rPr lang="zh-CN" altLang="en-US" dirty="0"/>
+              <a:t>霜降精神</a:t>
+            </a:r>
+            <a:endParaRPr lang="en-US" altLang="zh-CN" dirty="0"/>
+          </a:p>
+          <a:p>
+            <a:endParaRPr lang="en-US" altLang="zh-CN" dirty="0"/>
+          </a:p>
+          <a:p>
+            <a:r>
+              <a:rPr lang="zh-CN" altLang="en-US" dirty="0"/>
+              <a:t>（</a:t>
+            </a:r>
+            <a:r>
+              <a:rPr lang="en-US" altLang="zh-CN" dirty="0"/>
+              <a:t>581</a:t>
+            </a:r>
+            <a:r>
+              <a:rPr lang="zh-CN" altLang="en-US" dirty="0"/>
+              <a:t>万条数据）</a:t>
+            </a:r>
+          </a:p>
+        </p:txBody>
+      </p:sp>
+    </p:spTree>
+    <p:extLst>
+      <p:ext uri="{BB962C8B-B14F-4D97-AF65-F5344CB8AC3E}">
+        <p14:creationId xmlns:p14="http://schemas.microsoft.com/office/powerpoint/2010/main" val="4055485997"/>
+      </p:ext>
+    </p:extLst>
+  </p:cSld>
+  <p:clrMapOvr>
+    <a:masterClrMapping/>
+  </p:clrMapOvr>
+</p:sld>
+</file>
+
+<file path=ppt/slides/slide11.xml><?xml version="1.0" encoding="utf-8"?>
+<p:sld xmlns:a="http://schemas.openxmlformats.org/drawingml/2006/main" xmlns:r="http://schemas.openxmlformats.org/officeDocument/2006/relationships" xmlns:p="http://schemas.openxmlformats.org/presentationml/2006/main">
+  <p:cSld>
+    <p:spTree>
+      <p:nvGrpSpPr>
+        <p:cNvPr id="1" name=""/>
+        <p:cNvGrpSpPr/>
+        <p:nvPr/>
+      </p:nvGrpSpPr>
+      <p:grpSpPr>
+        <a:xfrm>
+          <a:off x="0" y="0"/>
+          <a:ext cx="0" cy="0"/>
+          <a:chOff x="0" y="0"/>
+          <a:chExt cx="0" cy="0"/>
+        </a:xfrm>
+      </p:grpSpPr>
+      <p:sp>
+        <p:nvSpPr>
+          <p:cNvPr id="2" name="标题 1">
+            <a:extLst>
+              <a:ext uri="{FF2B5EF4-FFF2-40B4-BE49-F238E27FC236}">
+                <a16:creationId xmlns:a16="http://schemas.microsoft.com/office/drawing/2014/main" id="{E6F9F63A-5D71-4E8E-99D2-490C2E4A643B}"/>
+              </a:ext>
+            </a:extLst>
+          </p:cNvPr>
+          <p:cNvSpPr>
+            <a:spLocks noGrp="1"/>
+          </p:cNvSpPr>
+          <p:nvPr>
+            <p:ph type="title"/>
+          </p:nvPr>
+        </p:nvSpPr>
+        <p:spPr/>
+        <p:txBody>
+          <a:bodyPr/>
+          <a:lstStyle/>
+          <a:p>
+            <a:r>
+              <a:rPr lang="zh-CN" altLang="en-US" dirty="0"/>
+              <a:t>结果展示</a:t>
+            </a:r>
+          </a:p>
+        </p:txBody>
+      </p:sp>
+      <p:graphicFrame>
+        <p:nvGraphicFramePr>
+          <p:cNvPr id="4" name="内容占位符 3">
+            <a:extLst>
+              <a:ext uri="{FF2B5EF4-FFF2-40B4-BE49-F238E27FC236}">
+                <a16:creationId xmlns:a16="http://schemas.microsoft.com/office/drawing/2014/main" id="{2A05E8CC-0DED-4F07-A9F9-F6ADAF6B0848}"/>
+              </a:ext>
+            </a:extLst>
+          </p:cNvPr>
+          <p:cNvGraphicFramePr>
+            <a:graphicFrameLocks noGrp="1"/>
+          </p:cNvGraphicFramePr>
+          <p:nvPr>
+            <p:ph idx="1"/>
+            <p:extLst>
+              <p:ext uri="{D42A27DB-BD31-4B8C-83A1-F6EECF244321}">
+                <p14:modId xmlns:p14="http://schemas.microsoft.com/office/powerpoint/2010/main" val="3053003880"/>
+              </p:ext>
+            </p:extLst>
+          </p:nvPr>
+        </p:nvGraphicFramePr>
+        <p:xfrm>
+          <a:off x="838200" y="1808917"/>
+          <a:ext cx="10515600" cy="4359157"/>
+        </p:xfrm>
+        <a:graphic>
+          <a:graphicData uri="http://schemas.openxmlformats.org/drawingml/2006/table">
+            <a:tbl>
+              <a:tblPr firstRow="1" bandRow="1">
+                <a:tableStyleId>{5C22544A-7EE6-4342-B048-85BDC9FD1C3A}</a:tableStyleId>
+              </a:tblPr>
+              <a:tblGrid>
+                <a:gridCol w="2103120">
+                  <a:extLst>
+                    <a:ext uri="{9D8B030D-6E8A-4147-A177-3AD203B41FA5}">
+                      <a16:colId xmlns:a16="http://schemas.microsoft.com/office/drawing/2014/main" val="2185622786"/>
+                    </a:ext>
+                  </a:extLst>
+                </a:gridCol>
+                <a:gridCol w="2103120">
+                  <a:extLst>
+                    <a:ext uri="{9D8B030D-6E8A-4147-A177-3AD203B41FA5}">
+                      <a16:colId xmlns:a16="http://schemas.microsoft.com/office/drawing/2014/main" val="3307079123"/>
+                    </a:ext>
+                  </a:extLst>
+                </a:gridCol>
+                <a:gridCol w="2103120">
+                  <a:extLst>
+                    <a:ext uri="{9D8B030D-6E8A-4147-A177-3AD203B41FA5}">
+                      <a16:colId xmlns:a16="http://schemas.microsoft.com/office/drawing/2014/main" val="1463287594"/>
+                    </a:ext>
+                  </a:extLst>
+                </a:gridCol>
+                <a:gridCol w="2103120">
+                  <a:extLst>
+                    <a:ext uri="{9D8B030D-6E8A-4147-A177-3AD203B41FA5}">
+                      <a16:colId xmlns:a16="http://schemas.microsoft.com/office/drawing/2014/main" val="898506284"/>
+                    </a:ext>
+                  </a:extLst>
+                </a:gridCol>
+                <a:gridCol w="2103120">
+                  <a:extLst>
+                    <a:ext uri="{9D8B030D-6E8A-4147-A177-3AD203B41FA5}">
+                      <a16:colId xmlns:a16="http://schemas.microsoft.com/office/drawing/2014/main" val="504590912"/>
+                    </a:ext>
+                  </a:extLst>
+                </a:gridCol>
+              </a:tblGrid>
+              <a:tr h="1072357">
+                <a:tc>
+                  <a:txBody>
+                    <a:bodyPr/>
+                    <a:lstStyle/>
+                    <a:p>
+                      <a:pPr algn="ctr"/>
+                      <a:endParaRPr lang="zh-CN" altLang="en-US" sz="3200" dirty="0"/>
+                    </a:p>
+                  </a:txBody>
+                  <a:tcPr/>
+                </a:tc>
+                <a:tc>
+                  <a:txBody>
+                    <a:bodyPr/>
+                    <a:lstStyle/>
+                    <a:p>
+                      <a:pPr algn="ctr"/>
+                      <a:r>
+                        <a:rPr lang="zh-CN" altLang="en-US" sz="3200" dirty="0"/>
+                        <a:t>谐音错误</a:t>
+                      </a:r>
+                    </a:p>
+                  </a:txBody>
+                  <a:tcPr/>
+                </a:tc>
+                <a:tc>
+                  <a:txBody>
+                    <a:bodyPr/>
+                    <a:lstStyle/>
+                    <a:p>
+                      <a:pPr algn="ctr"/>
+                      <a:r>
+                        <a:rPr lang="zh-CN" altLang="en-US" sz="3200" dirty="0"/>
+                        <a:t>形近错误</a:t>
+                      </a:r>
+                    </a:p>
+                  </a:txBody>
+                  <a:tcPr/>
+                </a:tc>
+                <a:tc>
+                  <a:txBody>
+                    <a:bodyPr/>
+                    <a:lstStyle/>
+                    <a:p>
+                      <a:pPr algn="ctr"/>
+                      <a:r>
+                        <a:rPr lang="zh-CN" altLang="en-US" sz="3200" dirty="0"/>
+                        <a:t>随机错误</a:t>
+                      </a:r>
+                    </a:p>
+                  </a:txBody>
+                  <a:tcPr/>
+                </a:tc>
+                <a:tc>
+                  <a:txBody>
+                    <a:bodyPr/>
+                    <a:lstStyle/>
+                    <a:p>
+                      <a:pPr algn="ctr"/>
+                      <a:r>
+                        <a:rPr lang="zh-CN" altLang="en-US" sz="2400" dirty="0"/>
+                        <a:t>多个位置错误</a:t>
+                      </a:r>
+                    </a:p>
+                  </a:txBody>
+                  <a:tcPr/>
+                </a:tc>
+                <a:extLst>
+                  <a:ext uri="{0D108BD9-81ED-4DB2-BD59-A6C34878D82A}">
+                    <a16:rowId xmlns:a16="http://schemas.microsoft.com/office/drawing/2014/main" val="1787694609"/>
+                  </a:ext>
+                </a:extLst>
+              </a:tr>
+              <a:tr h="1142086">
+                <a:tc>
+                  <a:txBody>
+                    <a:bodyPr/>
+                    <a:lstStyle/>
+                    <a:p>
+                      <a:pPr algn="ctr"/>
+                      <a:r>
+                        <a:rPr lang="zh-CN" altLang="en-US" sz="3200" dirty="0"/>
+                        <a:t>正确个数</a:t>
+                      </a:r>
+                    </a:p>
+                  </a:txBody>
+                  <a:tcPr/>
+                </a:tc>
+                <a:tc>
+                  <a:txBody>
+                    <a:bodyPr/>
+                    <a:lstStyle/>
+                    <a:p>
+                      <a:pPr algn="ctr"/>
+                      <a:r>
+                        <a:rPr lang="en-US" altLang="zh-CN" sz="3200" dirty="0"/>
+                        <a:t>44285</a:t>
+                      </a:r>
+                      <a:endParaRPr lang="zh-CN" altLang="en-US" sz="3200" dirty="0"/>
+                    </a:p>
+                  </a:txBody>
+                  <a:tcPr/>
+                </a:tc>
+                <a:tc>
+                  <a:txBody>
+                    <a:bodyPr/>
+                    <a:lstStyle/>
+                    <a:p>
+                      <a:pPr algn="ctr"/>
+                      <a:r>
+                        <a:rPr lang="en-US" altLang="zh-CN" sz="3200" dirty="0"/>
+                        <a:t>65703</a:t>
+                      </a:r>
+                      <a:endParaRPr lang="zh-CN" altLang="en-US" sz="3200" dirty="0"/>
+                    </a:p>
+                  </a:txBody>
+                  <a:tcPr/>
+                </a:tc>
+                <a:tc>
+                  <a:txBody>
+                    <a:bodyPr/>
+                    <a:lstStyle/>
+                    <a:p>
+                      <a:pPr algn="ctr"/>
+                      <a:r>
+                        <a:rPr lang="en-US" altLang="zh-CN" sz="3200" dirty="0"/>
+                        <a:t>781</a:t>
+                      </a:r>
+                      <a:endParaRPr lang="zh-CN" altLang="en-US" sz="3200" dirty="0"/>
+                    </a:p>
+                  </a:txBody>
+                  <a:tcPr/>
+                </a:tc>
+                <a:tc>
+                  <a:txBody>
+                    <a:bodyPr/>
+                    <a:lstStyle/>
+                    <a:p>
+                      <a:pPr algn="ctr"/>
+                      <a:r>
+                        <a:rPr lang="en-US" altLang="zh-CN" sz="3200" dirty="0"/>
+                        <a:t>5012</a:t>
+                      </a:r>
+                      <a:endParaRPr lang="zh-CN" altLang="en-US" sz="3200" dirty="0"/>
+                    </a:p>
+                  </a:txBody>
+                  <a:tcPr/>
+                </a:tc>
+                <a:extLst>
+                  <a:ext uri="{0D108BD9-81ED-4DB2-BD59-A6C34878D82A}">
+                    <a16:rowId xmlns:a16="http://schemas.microsoft.com/office/drawing/2014/main" val="3469411273"/>
+                  </a:ext>
+                </a:extLst>
+              </a:tr>
+              <a:tr h="1072357">
+                <a:tc>
+                  <a:txBody>
+                    <a:bodyPr/>
+                    <a:lstStyle/>
+                    <a:p>
+                      <a:pPr algn="ctr"/>
+                      <a:r>
+                        <a:rPr lang="zh-CN" altLang="en-US" sz="3200" dirty="0"/>
+                        <a:t>总个数</a:t>
+                      </a:r>
+                    </a:p>
+                  </a:txBody>
+                  <a:tcPr/>
+                </a:tc>
+                <a:tc>
+                  <a:txBody>
+                    <a:bodyPr/>
+                    <a:lstStyle/>
+                    <a:p>
+                      <a:pPr algn="ctr"/>
+                      <a:r>
+                        <a:rPr lang="en-US" altLang="zh-CN" sz="3200" dirty="0"/>
+                        <a:t>47413</a:t>
+                      </a:r>
+                      <a:endParaRPr lang="zh-CN" altLang="en-US" sz="3200" dirty="0"/>
+                    </a:p>
+                  </a:txBody>
+                  <a:tcPr/>
+                </a:tc>
+                <a:tc>
+                  <a:txBody>
+                    <a:bodyPr/>
+                    <a:lstStyle/>
+                    <a:p>
+                      <a:pPr algn="ctr"/>
+                      <a:r>
+                        <a:rPr lang="en-US" altLang="zh-CN" sz="3200" dirty="0"/>
+                        <a:t>75457</a:t>
+                      </a:r>
+                      <a:endParaRPr lang="zh-CN" altLang="en-US" sz="3200" dirty="0"/>
+                    </a:p>
+                  </a:txBody>
+                  <a:tcPr/>
+                </a:tc>
+                <a:tc>
+                  <a:txBody>
+                    <a:bodyPr/>
+                    <a:lstStyle/>
+                    <a:p>
+                      <a:pPr algn="ctr"/>
+                      <a:r>
+                        <a:rPr lang="en-US" altLang="zh-CN" sz="3200" dirty="0"/>
+                        <a:t>92802</a:t>
+                      </a:r>
+                      <a:endParaRPr lang="zh-CN" altLang="en-US" sz="3200" dirty="0"/>
+                    </a:p>
+                  </a:txBody>
+                  <a:tcPr/>
+                </a:tc>
+                <a:tc>
+                  <a:txBody>
+                    <a:bodyPr/>
+                    <a:lstStyle/>
+                    <a:p>
+                      <a:pPr algn="ctr"/>
+                      <a:r>
+                        <a:rPr lang="en-US" altLang="zh-CN" sz="3200" dirty="0"/>
+                        <a:t>168328</a:t>
+                      </a:r>
+                      <a:endParaRPr lang="zh-CN" altLang="en-US" sz="3200" dirty="0"/>
+                    </a:p>
+                  </a:txBody>
+                  <a:tcPr/>
+                </a:tc>
+                <a:extLst>
+                  <a:ext uri="{0D108BD9-81ED-4DB2-BD59-A6C34878D82A}">
+                    <a16:rowId xmlns:a16="http://schemas.microsoft.com/office/drawing/2014/main" val="1910439822"/>
+                  </a:ext>
+                </a:extLst>
+              </a:tr>
+              <a:tr h="1072357">
+                <a:tc>
+                  <a:txBody>
+                    <a:bodyPr/>
+                    <a:lstStyle/>
+                    <a:p>
+                      <a:pPr algn="ctr"/>
+                      <a:r>
+                        <a:rPr lang="zh-CN" altLang="en-US" sz="3200" dirty="0"/>
+                        <a:t>召回率</a:t>
+                      </a:r>
+                    </a:p>
+                  </a:txBody>
+                  <a:tcPr/>
+                </a:tc>
+                <a:tc>
+                  <a:txBody>
+                    <a:bodyPr/>
+                    <a:lstStyle/>
+                    <a:p>
+                      <a:pPr algn="ctr"/>
+                      <a:r>
+                        <a:rPr lang="en-US" altLang="zh-CN" sz="3200" dirty="0"/>
+                        <a:t>0.94</a:t>
+                      </a:r>
+                      <a:endParaRPr lang="zh-CN" altLang="en-US" sz="3200" dirty="0"/>
+                    </a:p>
+                  </a:txBody>
+                  <a:tcPr/>
+                </a:tc>
+                <a:tc>
+                  <a:txBody>
+                    <a:bodyPr/>
+                    <a:lstStyle/>
+                    <a:p>
+                      <a:pPr algn="ctr"/>
+                      <a:r>
+                        <a:rPr lang="en-US" altLang="zh-CN" sz="3200" dirty="0"/>
+                        <a:t>0.87</a:t>
+                      </a:r>
+                      <a:endParaRPr lang="zh-CN" altLang="en-US" sz="3200" dirty="0"/>
+                    </a:p>
+                  </a:txBody>
+                  <a:tcPr/>
+                </a:tc>
+                <a:tc>
+                  <a:txBody>
+                    <a:bodyPr/>
+                    <a:lstStyle/>
+                    <a:p>
+                      <a:pPr algn="ctr"/>
+                      <a:r>
+                        <a:rPr lang="en-US" altLang="zh-CN" sz="3200" dirty="0"/>
+                        <a:t>0.01</a:t>
+                      </a:r>
+                      <a:endParaRPr lang="zh-CN" altLang="en-US" sz="3200" dirty="0"/>
+                    </a:p>
+                  </a:txBody>
+                  <a:tcPr/>
+                </a:tc>
+                <a:tc>
+                  <a:txBody>
+                    <a:bodyPr/>
+                    <a:lstStyle/>
+                    <a:p>
+                      <a:pPr algn="ctr"/>
+                      <a:r>
+                        <a:rPr lang="en-US" altLang="zh-CN" sz="3200" dirty="0"/>
+                        <a:t>0.03</a:t>
+                      </a:r>
+                      <a:endParaRPr lang="zh-CN" altLang="en-US" sz="3200" dirty="0"/>
+                    </a:p>
+                  </a:txBody>
+                  <a:tcPr/>
+                </a:tc>
+                <a:extLst>
+                  <a:ext uri="{0D108BD9-81ED-4DB2-BD59-A6C34878D82A}">
+                    <a16:rowId xmlns:a16="http://schemas.microsoft.com/office/drawing/2014/main" val="1527762948"/>
+                  </a:ext>
+                </a:extLst>
+              </a:tr>
+            </a:tbl>
+          </a:graphicData>
+        </a:graphic>
+      </p:graphicFrame>
+    </p:spTree>
+    <p:extLst>
+      <p:ext uri="{BB962C8B-B14F-4D97-AF65-F5344CB8AC3E}">
+        <p14:creationId xmlns:p14="http://schemas.microsoft.com/office/powerpoint/2010/main" val="4035616382"/>
+      </p:ext>
+    </p:extLst>
+  </p:cSld>
+  <p:clrMapOvr>
+    <a:masterClrMapping/>
+  </p:clrMapOvr>
+</p:sld>
+</file>
+
+<file path=ppt/slides/slide12.xml><?xml version="1.0" encoding="utf-8"?>
 <p:sld xmlns:a="http://schemas.openxmlformats.org/drawingml/2006/main" xmlns:r="http://schemas.openxmlformats.org/officeDocument/2006/relationships" xmlns:p="http://schemas.openxmlformats.org/presentationml/2006/main">
   <p:cSld>
     <p:spTree>
@@ -3563,7 +4232,7 @@
 </p:sld>
 </file>
 
-<file path=ppt/slides/slide11.xml><?xml version="1.0" encoding="utf-8"?>
+<file path=ppt/slides/slide13.xml><?xml version="1.0" encoding="utf-8"?>
 <p:sld xmlns:a="http://schemas.openxmlformats.org/drawingml/2006/main" xmlns:r="http://schemas.openxmlformats.org/officeDocument/2006/relationships" xmlns:p="http://schemas.openxmlformats.org/presentationml/2006/main">
   <p:cSld>
     <p:spTree>
@@ -3680,7 +4349,7 @@
 </p:sld>
 </file>
 
-<file path=ppt/slides/slide12.xml><?xml version="1.0" encoding="utf-8"?>
+<file path=ppt/slides/slide14.xml><?xml version="1.0" encoding="utf-8"?>
 <p:sld xmlns:a="http://schemas.openxmlformats.org/drawingml/2006/main" xmlns:r="http://schemas.openxmlformats.org/officeDocument/2006/relationships" xmlns:p="http://schemas.openxmlformats.org/presentationml/2006/main">
   <p:cSld>
     <p:spTree>
@@ -3820,7 +4489,161 @@
 </p:sld>
 </file>
 
-<file path=ppt/slides/slide13.xml><?xml version="1.0" encoding="utf-8"?>
+<file path=ppt/slides/slide15.xml><?xml version="1.0" encoding="utf-8"?>
+<p:sld xmlns:a="http://schemas.openxmlformats.org/drawingml/2006/main" xmlns:r="http://schemas.openxmlformats.org/officeDocument/2006/relationships" xmlns:p="http://schemas.openxmlformats.org/presentationml/2006/main">
+  <p:cSld>
+    <p:spTree>
+      <p:nvGrpSpPr>
+        <p:cNvPr id="1" name=""/>
+        <p:cNvGrpSpPr/>
+        <p:nvPr/>
+      </p:nvGrpSpPr>
+      <p:grpSpPr>
+        <a:xfrm>
+          <a:off x="0" y="0"/>
+          <a:ext cx="0" cy="0"/>
+          <a:chOff x="0" y="0"/>
+          <a:chExt cx="0" cy="0"/>
+        </a:xfrm>
+      </p:grpSpPr>
+      <p:sp>
+        <p:nvSpPr>
+          <p:cNvPr id="2" name="标题 1">
+            <a:extLst>
+              <a:ext uri="{FF2B5EF4-FFF2-40B4-BE49-F238E27FC236}">
+                <a16:creationId xmlns:a16="http://schemas.microsoft.com/office/drawing/2014/main" id="{AC86C439-9562-48BC-91AB-48B88EFC2E92}"/>
+              </a:ext>
+            </a:extLst>
+          </p:cNvPr>
+          <p:cNvSpPr>
+            <a:spLocks noGrp="1"/>
+          </p:cNvSpPr>
+          <p:nvPr>
+            <p:ph type="title"/>
+          </p:nvPr>
+        </p:nvSpPr>
+        <p:spPr/>
+        <p:txBody>
+          <a:bodyPr/>
+          <a:lstStyle/>
+          <a:p>
+            <a:r>
+              <a:rPr lang="zh-CN" altLang="en-US" dirty="0"/>
+              <a:t>统计模型的优缺点</a:t>
+            </a:r>
+          </a:p>
+        </p:txBody>
+      </p:sp>
+      <p:sp>
+        <p:nvSpPr>
+          <p:cNvPr id="3" name="内容占位符 2">
+            <a:extLst>
+              <a:ext uri="{FF2B5EF4-FFF2-40B4-BE49-F238E27FC236}">
+                <a16:creationId xmlns:a16="http://schemas.microsoft.com/office/drawing/2014/main" id="{14B02C30-E574-48D6-A8F0-D3F037ABEE8C}"/>
+              </a:ext>
+            </a:extLst>
+          </p:cNvPr>
+          <p:cNvSpPr>
+            <a:spLocks noGrp="1"/>
+          </p:cNvSpPr>
+          <p:nvPr>
+            <p:ph idx="1"/>
+          </p:nvPr>
+        </p:nvSpPr>
+        <p:spPr/>
+        <p:txBody>
+          <a:bodyPr/>
+          <a:lstStyle/>
+          <a:p>
+            <a:r>
+              <a:rPr lang="zh-CN" altLang="en-US" dirty="0"/>
+              <a:t>优点：</a:t>
+            </a:r>
+            <a:endParaRPr lang="en-US" altLang="zh-CN" dirty="0"/>
+          </a:p>
+          <a:p>
+            <a:pPr lvl="1"/>
+            <a:r>
+              <a:rPr lang="zh-CN" altLang="en-US" dirty="0"/>
+              <a:t>可解释性好</a:t>
+            </a:r>
+            <a:endParaRPr lang="en-US" altLang="zh-CN" dirty="0"/>
+          </a:p>
+          <a:p>
+            <a:pPr lvl="1"/>
+            <a:r>
+              <a:rPr lang="zh-CN" altLang="en-US" dirty="0"/>
+              <a:t>训练速度快</a:t>
+            </a:r>
+            <a:endParaRPr lang="en-US" altLang="zh-CN" dirty="0"/>
+          </a:p>
+          <a:p>
+            <a:pPr lvl="1"/>
+            <a:r>
+              <a:rPr lang="zh-CN" altLang="en-US" dirty="0"/>
+              <a:t>部署简单</a:t>
+            </a:r>
+            <a:endParaRPr lang="en-US" altLang="zh-CN" dirty="0"/>
+          </a:p>
+          <a:p>
+            <a:r>
+              <a:rPr lang="zh-CN" altLang="en-US" dirty="0"/>
+              <a:t>缺点：</a:t>
+            </a:r>
+            <a:endParaRPr lang="en-US" altLang="zh-CN" dirty="0"/>
+          </a:p>
+          <a:p>
+            <a:pPr lvl="1"/>
+            <a:r>
+              <a:rPr lang="zh-CN" altLang="en-US" dirty="0"/>
+              <a:t>需要一个统计规则</a:t>
+            </a:r>
+            <a:endParaRPr lang="en-US" altLang="zh-CN" dirty="0"/>
+          </a:p>
+          <a:p>
+            <a:pPr lvl="1"/>
+            <a:r>
+              <a:rPr lang="zh-CN" altLang="en-US" dirty="0"/>
+              <a:t>难以纠正语义错误</a:t>
+            </a:r>
+            <a:endParaRPr lang="en-US" altLang="zh-CN" dirty="0"/>
+          </a:p>
+          <a:p>
+            <a:pPr lvl="1"/>
+            <a:r>
+              <a:rPr lang="zh-CN" altLang="en-US" dirty="0"/>
+              <a:t>需要多模块组合，不是</a:t>
+            </a:r>
+            <a:r>
+              <a:rPr lang="en-US" altLang="zh-CN" dirty="0"/>
+              <a:t>end to end</a:t>
+            </a:r>
+            <a:r>
+              <a:rPr lang="zh-CN" altLang="en-US" dirty="0"/>
+              <a:t>模型</a:t>
+            </a:r>
+            <a:endParaRPr lang="en-US" altLang="zh-CN" dirty="0"/>
+          </a:p>
+          <a:p>
+            <a:pPr lvl="1"/>
+            <a:endParaRPr lang="en-US" altLang="zh-CN" dirty="0"/>
+          </a:p>
+        </p:txBody>
+      </p:sp>
+    </p:spTree>
+    <p:extLst>
+      <p:ext uri="{BB962C8B-B14F-4D97-AF65-F5344CB8AC3E}">
+        <p14:creationId xmlns:p14="http://schemas.microsoft.com/office/powerpoint/2010/main" val="3244635485"/>
+      </p:ext>
+    </p:extLst>
+  </p:cSld>
+  <p:clrMapOvr>
+    <a:masterClrMapping/>
+  </p:clrMapOvr>
+</p:sld>
+</file>
+
+<file path=ppt/slides/slide16.xml><?xml version="1.0" encoding="utf-8"?>
 <p:sld xmlns:a="http://schemas.openxmlformats.org/drawingml/2006/main" xmlns:r="http://schemas.openxmlformats.org/officeDocument/2006/relationships" xmlns:p="http://schemas.openxmlformats.org/presentationml/2006/main">
   <p:cSld>
     <p:spTree>
@@ -3909,7 +4732,7 @@
 </p:sld>
 </file>
 
-<file path=ppt/slides/slide14.xml><?xml version="1.0" encoding="utf-8"?>
+<file path=ppt/slides/slide17.xml><?xml version="1.0" encoding="utf-8"?>
 <p:sld xmlns:a="http://schemas.openxmlformats.org/drawingml/2006/main" xmlns:r="http://schemas.openxmlformats.org/officeDocument/2006/relationships" xmlns:p="http://schemas.openxmlformats.org/presentationml/2006/main">
   <p:cSld>
     <p:spTree>
@@ -4027,349 +4850,6 @@
 </p:sld>
 </file>
 
-<file path=ppt/slides/slide15.xml><?xml version="1.0" encoding="utf-8"?>
-<p:sld xmlns:a="http://schemas.openxmlformats.org/drawingml/2006/main" xmlns:r="http://schemas.openxmlformats.org/officeDocument/2006/relationships" xmlns:p="http://schemas.openxmlformats.org/presentationml/2006/main">
-  <p:cSld>
-    <p:spTree>
-      <p:nvGrpSpPr>
-        <p:cNvPr id="1" name=""/>
-        <p:cNvGrpSpPr/>
-        <p:nvPr/>
-      </p:nvGrpSpPr>
-      <p:grpSpPr>
-        <a:xfrm>
-          <a:off x="0" y="0"/>
-          <a:ext cx="0" cy="0"/>
-          <a:chOff x="0" y="0"/>
-          <a:chExt cx="0" cy="0"/>
-        </a:xfrm>
-      </p:grpSpPr>
-      <p:sp>
-        <p:nvSpPr>
-          <p:cNvPr id="2" name="标题 1">
-            <a:extLst>
-              <a:ext uri="{FF2B5EF4-FFF2-40B4-BE49-F238E27FC236}">
-                <a16:creationId xmlns:a16="http://schemas.microsoft.com/office/drawing/2014/main" id="{C2858C13-63BF-4420-920B-A2E66066391A}"/>
-              </a:ext>
-            </a:extLst>
-          </p:cNvPr>
-          <p:cNvSpPr>
-            <a:spLocks noGrp="1"/>
-          </p:cNvSpPr>
-          <p:nvPr>
-            <p:ph type="title"/>
-          </p:nvPr>
-        </p:nvSpPr>
-        <p:spPr/>
-        <p:txBody>
-          <a:bodyPr/>
-          <a:lstStyle/>
-          <a:p>
-            <a:r>
-              <a:rPr lang="zh-CN" altLang="en-US" dirty="0"/>
-              <a:t>语料集</a:t>
-            </a:r>
-          </a:p>
-        </p:txBody>
-      </p:sp>
-      <p:sp>
-        <p:nvSpPr>
-          <p:cNvPr id="3" name="内容占位符 2">
-            <a:extLst>
-              <a:ext uri="{FF2B5EF4-FFF2-40B4-BE49-F238E27FC236}">
-                <a16:creationId xmlns:a16="http://schemas.microsoft.com/office/drawing/2014/main" id="{F131995D-04EB-4788-B31D-471D7540D622}"/>
-              </a:ext>
-            </a:extLst>
-          </p:cNvPr>
-          <p:cNvSpPr>
-            <a:spLocks noGrp="1"/>
-          </p:cNvSpPr>
-          <p:nvPr>
-            <p:ph idx="1"/>
-          </p:nvPr>
-        </p:nvSpPr>
-        <p:spPr/>
-        <p:txBody>
-          <a:bodyPr/>
-          <a:lstStyle/>
-          <a:p>
-            <a:r>
-              <a:rPr lang="zh-CN" altLang="en-US" dirty="0"/>
-              <a:t>搜狗搜索词记录</a:t>
-            </a:r>
-            <a:endParaRPr lang="en-US" altLang="zh-CN" dirty="0"/>
-          </a:p>
-          <a:p>
-            <a:r>
-              <a:rPr lang="en-US" altLang="zh-CN" dirty="0"/>
-              <a:t>Wiki</a:t>
-            </a:r>
-            <a:r>
-              <a:rPr lang="zh-CN" altLang="en-US" dirty="0"/>
-              <a:t>中文</a:t>
-            </a:r>
-            <a:r>
-              <a:rPr lang="en-US" altLang="zh-CN" dirty="0"/>
-              <a:t>title</a:t>
-            </a:r>
-          </a:p>
-          <a:p>
-            <a:r>
-              <a:rPr lang="en-US" altLang="zh-CN" dirty="0"/>
-              <a:t>webtext2019title</a:t>
-            </a:r>
-            <a:endParaRPr lang="zh-CN" altLang="en-US" dirty="0"/>
-          </a:p>
-        </p:txBody>
-      </p:sp>
-    </p:spTree>
-    <p:extLst>
-      <p:ext uri="{BB962C8B-B14F-4D97-AF65-F5344CB8AC3E}">
-        <p14:creationId xmlns:p14="http://schemas.microsoft.com/office/powerpoint/2010/main" val="2690209952"/>
-      </p:ext>
-    </p:extLst>
-  </p:cSld>
-  <p:clrMapOvr>
-    <a:masterClrMapping/>
-  </p:clrMapOvr>
-</p:sld>
-</file>
-
-<file path=ppt/slides/slide16.xml><?xml version="1.0" encoding="utf-8"?>
-<p:sld xmlns:a="http://schemas.openxmlformats.org/drawingml/2006/main" xmlns:r="http://schemas.openxmlformats.org/officeDocument/2006/relationships" xmlns:p="http://schemas.openxmlformats.org/presentationml/2006/main">
-  <p:cSld>
-    <p:spTree>
-      <p:nvGrpSpPr>
-        <p:cNvPr id="1" name=""/>
-        <p:cNvGrpSpPr/>
-        <p:nvPr/>
-      </p:nvGrpSpPr>
-      <p:grpSpPr>
-        <a:xfrm>
-          <a:off x="0" y="0"/>
-          <a:ext cx="0" cy="0"/>
-          <a:chOff x="0" y="0"/>
-          <a:chExt cx="0" cy="0"/>
-        </a:xfrm>
-      </p:grpSpPr>
-      <p:sp>
-        <p:nvSpPr>
-          <p:cNvPr id="2" name="标题 1">
-            <a:extLst>
-              <a:ext uri="{FF2B5EF4-FFF2-40B4-BE49-F238E27FC236}">
-                <a16:creationId xmlns:a16="http://schemas.microsoft.com/office/drawing/2014/main" id="{2BB8BEC1-502E-4BAF-9BFD-003E38988D82}"/>
-              </a:ext>
-            </a:extLst>
-          </p:cNvPr>
-          <p:cNvSpPr>
-            <a:spLocks noGrp="1"/>
-          </p:cNvSpPr>
-          <p:nvPr>
-            <p:ph type="title"/>
-          </p:nvPr>
-        </p:nvSpPr>
-        <p:spPr/>
-        <p:txBody>
-          <a:bodyPr/>
-          <a:lstStyle/>
-          <a:p>
-            <a:r>
-              <a:rPr lang="zh-CN" altLang="en-US" dirty="0"/>
-              <a:t>实现的功能</a:t>
-            </a:r>
-          </a:p>
-        </p:txBody>
-      </p:sp>
-      <p:sp>
-        <p:nvSpPr>
-          <p:cNvPr id="3" name="内容占位符 2">
-            <a:extLst>
-              <a:ext uri="{FF2B5EF4-FFF2-40B4-BE49-F238E27FC236}">
-                <a16:creationId xmlns:a16="http://schemas.microsoft.com/office/drawing/2014/main" id="{AE6B73E3-3C84-4988-8455-40E467587095}"/>
-              </a:ext>
-            </a:extLst>
-          </p:cNvPr>
-          <p:cNvSpPr>
-            <a:spLocks noGrp="1"/>
-          </p:cNvSpPr>
-          <p:nvPr>
-            <p:ph idx="1"/>
-          </p:nvPr>
-        </p:nvSpPr>
-        <p:spPr>
-          <a:xfrm>
-            <a:off x="838200" y="1852129"/>
-            <a:ext cx="10515600" cy="4351338"/>
-          </a:xfrm>
-        </p:spPr>
-        <p:txBody>
-          <a:bodyPr/>
-          <a:lstStyle/>
-          <a:p>
-            <a:r>
-              <a:rPr lang="zh-CN" altLang="en-US" dirty="0"/>
-              <a:t>谐音错误</a:t>
-            </a:r>
-            <a:endParaRPr lang="en-US" altLang="zh-CN" dirty="0"/>
-          </a:p>
-          <a:p>
-            <a:r>
-              <a:rPr lang="zh-CN" altLang="en-US" dirty="0"/>
-              <a:t>形近字错误</a:t>
-            </a:r>
-            <a:endParaRPr lang="en-US" altLang="zh-CN" dirty="0"/>
-          </a:p>
-          <a:p>
-            <a:r>
-              <a:rPr lang="zh-CN" altLang="en-US" dirty="0"/>
-              <a:t>顺序错误</a:t>
-            </a:r>
-            <a:endParaRPr lang="en-US" altLang="zh-CN" dirty="0"/>
-          </a:p>
-          <a:p>
-            <a:r>
-              <a:rPr lang="zh-CN" altLang="en-US" dirty="0"/>
-              <a:t>简单语法错误</a:t>
-            </a:r>
-            <a:endParaRPr lang="en-US" altLang="zh-CN" dirty="0"/>
-          </a:p>
-          <a:p>
-            <a:r>
-              <a:rPr lang="zh-CN" altLang="en-US" dirty="0"/>
-              <a:t>一句话有多个字错误可以纠正</a:t>
-            </a:r>
-          </a:p>
-        </p:txBody>
-      </p:sp>
-    </p:spTree>
-    <p:extLst>
-      <p:ext uri="{BB962C8B-B14F-4D97-AF65-F5344CB8AC3E}">
-        <p14:creationId xmlns:p14="http://schemas.microsoft.com/office/powerpoint/2010/main" val="1167248390"/>
-      </p:ext>
-    </p:extLst>
-  </p:cSld>
-  <p:clrMapOvr>
-    <a:masterClrMapping/>
-  </p:clrMapOvr>
-</p:sld>
-</file>
-
-<file path=ppt/slides/slide17.xml><?xml version="1.0" encoding="utf-8"?>
-<p:sld xmlns:a="http://schemas.openxmlformats.org/drawingml/2006/main" xmlns:r="http://schemas.openxmlformats.org/officeDocument/2006/relationships" xmlns:p="http://schemas.openxmlformats.org/presentationml/2006/main">
-  <p:cSld>
-    <p:spTree>
-      <p:nvGrpSpPr>
-        <p:cNvPr id="1" name=""/>
-        <p:cNvGrpSpPr/>
-        <p:nvPr/>
-      </p:nvGrpSpPr>
-      <p:grpSpPr>
-        <a:xfrm>
-          <a:off x="0" y="0"/>
-          <a:ext cx="0" cy="0"/>
-          <a:chOff x="0" y="0"/>
-          <a:chExt cx="0" cy="0"/>
-        </a:xfrm>
-      </p:grpSpPr>
-      <p:sp>
-        <p:nvSpPr>
-          <p:cNvPr id="2" name="标题 1">
-            <a:extLst>
-              <a:ext uri="{FF2B5EF4-FFF2-40B4-BE49-F238E27FC236}">
-                <a16:creationId xmlns:a16="http://schemas.microsoft.com/office/drawing/2014/main" id="{4DA5296A-4B5A-4376-9EEA-C1D21BF39E36}"/>
-              </a:ext>
-            </a:extLst>
-          </p:cNvPr>
-          <p:cNvSpPr>
-            <a:spLocks noGrp="1"/>
-          </p:cNvSpPr>
-          <p:nvPr>
-            <p:ph type="title"/>
-          </p:nvPr>
-        </p:nvSpPr>
-        <p:spPr/>
-        <p:txBody>
-          <a:bodyPr/>
-          <a:lstStyle/>
-          <a:p>
-            <a:r>
-              <a:rPr lang="zh-CN" altLang="en-US" dirty="0"/>
-              <a:t>结论与感想</a:t>
-            </a:r>
-          </a:p>
-        </p:txBody>
-      </p:sp>
-      <p:sp>
-        <p:nvSpPr>
-          <p:cNvPr id="3" name="内容占位符 2">
-            <a:extLst>
-              <a:ext uri="{FF2B5EF4-FFF2-40B4-BE49-F238E27FC236}">
-                <a16:creationId xmlns:a16="http://schemas.microsoft.com/office/drawing/2014/main" id="{B13C9A79-B62D-455E-B4E7-A75BDCF401DE}"/>
-              </a:ext>
-            </a:extLst>
-          </p:cNvPr>
-          <p:cNvSpPr>
-            <a:spLocks noGrp="1"/>
-          </p:cNvSpPr>
-          <p:nvPr>
-            <p:ph idx="1"/>
-          </p:nvPr>
-        </p:nvSpPr>
-        <p:spPr/>
-        <p:txBody>
-          <a:bodyPr/>
-          <a:lstStyle/>
-          <a:p>
-            <a:r>
-              <a:rPr lang="zh-CN" altLang="en-US" dirty="0"/>
-              <a:t>实现了</a:t>
-            </a:r>
-            <a:r>
-              <a:rPr lang="en-US" altLang="zh-CN" dirty="0"/>
-              <a:t>baseline</a:t>
-            </a:r>
-            <a:r>
-              <a:rPr lang="zh-CN" altLang="en-US" dirty="0"/>
-              <a:t>。</a:t>
-            </a:r>
-            <a:endParaRPr lang="en-US" altLang="zh-CN" dirty="0"/>
-          </a:p>
-          <a:p>
-            <a:r>
-              <a:rPr lang="zh-CN" altLang="en-US" dirty="0"/>
-              <a:t>实现了谐音纠错、形近纠错、全拼纠错等。</a:t>
-            </a:r>
-            <a:endParaRPr lang="en-US" altLang="zh-CN" dirty="0"/>
-          </a:p>
-          <a:p>
-            <a:r>
-              <a:rPr lang="zh-CN" altLang="en-US" dirty="0"/>
-              <a:t>在</a:t>
-            </a:r>
-            <a:r>
-              <a:rPr lang="en-US" altLang="zh-CN" dirty="0"/>
-              <a:t>baseline</a:t>
-            </a:r>
-            <a:r>
-              <a:rPr lang="zh-CN" altLang="en-US" dirty="0"/>
-              <a:t>上进行了尝试。</a:t>
-            </a:r>
-          </a:p>
-        </p:txBody>
-      </p:sp>
-    </p:spTree>
-    <p:extLst>
-      <p:ext uri="{BB962C8B-B14F-4D97-AF65-F5344CB8AC3E}">
-        <p14:creationId xmlns:p14="http://schemas.microsoft.com/office/powerpoint/2010/main" val="110529778"/>
-      </p:ext>
-    </p:extLst>
-  </p:cSld>
-  <p:clrMapOvr>
-    <a:masterClrMapping/>
-  </p:clrMapOvr>
-</p:sld>
-</file>
-
 <file path=ppt/slides/slide18.xml><?xml version="1.0" encoding="utf-8"?>
 <p:sld xmlns:a="http://schemas.openxmlformats.org/drawingml/2006/main" xmlns:r="http://schemas.openxmlformats.org/officeDocument/2006/relationships" xmlns:p="http://schemas.openxmlformats.org/presentationml/2006/main">
   <p:cSld>
@@ -4392,7 +4872,7 @@
           <p:cNvPr id="2" name="标题 1">
             <a:extLst>
               <a:ext uri="{FF2B5EF4-FFF2-40B4-BE49-F238E27FC236}">
-                <a16:creationId xmlns:a16="http://schemas.microsoft.com/office/drawing/2014/main" id="{3F738418-A3A5-4ECB-B60A-62E88BF5886D}"/>
+                <a16:creationId xmlns:a16="http://schemas.microsoft.com/office/drawing/2014/main" id="{C2858C13-63BF-4420-920B-A2E66066391A}"/>
               </a:ext>
             </a:extLst>
           </p:cNvPr>
@@ -4409,33 +4889,369 @@
           <a:lstStyle/>
           <a:p>
             <a:r>
+              <a:rPr lang="zh-CN" altLang="en-US" dirty="0"/>
+              <a:t>语料集</a:t>
+            </a:r>
+          </a:p>
+        </p:txBody>
+      </p:sp>
+      <p:sp>
+        <p:nvSpPr>
+          <p:cNvPr id="3" name="内容占位符 2">
+            <a:extLst>
+              <a:ext uri="{FF2B5EF4-FFF2-40B4-BE49-F238E27FC236}">
+                <a16:creationId xmlns:a16="http://schemas.microsoft.com/office/drawing/2014/main" id="{F131995D-04EB-4788-B31D-471D7540D622}"/>
+              </a:ext>
+            </a:extLst>
+          </p:cNvPr>
+          <p:cNvSpPr>
+            <a:spLocks noGrp="1"/>
+          </p:cNvSpPr>
+          <p:nvPr>
+            <p:ph idx="1"/>
+          </p:nvPr>
+        </p:nvSpPr>
+        <p:spPr>
+          <a:xfrm>
+            <a:off x="838200" y="1825625"/>
+            <a:ext cx="5257800" cy="4351338"/>
+          </a:xfrm>
+        </p:spPr>
+        <p:txBody>
+          <a:bodyPr/>
+          <a:lstStyle/>
+          <a:p>
+            <a:r>
+              <a:rPr lang="zh-CN" altLang="en-US" dirty="0"/>
+              <a:t>搜狗搜索词记录</a:t>
+            </a:r>
+            <a:endParaRPr lang="en-US" altLang="zh-CN" dirty="0"/>
+          </a:p>
+          <a:p>
+            <a:r>
               <a:rPr lang="en-US" altLang="zh-CN" dirty="0"/>
-              <a:t>Q &amp; A</a:t>
-            </a:r>
+              <a:t>Wiki</a:t>
+            </a:r>
+            <a:r>
+              <a:rPr lang="zh-CN" altLang="en-US" dirty="0"/>
+              <a:t>中文</a:t>
+            </a:r>
+            <a:r>
+              <a:rPr lang="en-US" altLang="zh-CN" dirty="0"/>
+              <a:t>title</a:t>
+            </a:r>
+          </a:p>
+          <a:p>
+            <a:r>
+              <a:rPr lang="en-US" altLang="zh-CN" dirty="0"/>
+              <a:t>webtext2019title</a:t>
+            </a:r>
+          </a:p>
+          <a:p>
             <a:endParaRPr lang="zh-CN" altLang="en-US" dirty="0"/>
           </a:p>
         </p:txBody>
       </p:sp>
       <p:sp>
         <p:nvSpPr>
-          <p:cNvPr id="3" name="内容占位符 2">
-            <a:extLst>
-              <a:ext uri="{FF2B5EF4-FFF2-40B4-BE49-F238E27FC236}">
-                <a16:creationId xmlns:a16="http://schemas.microsoft.com/office/drawing/2014/main" id="{B4323D95-735F-4365-8CB9-F867A79DC119}"/>
-              </a:ext>
-            </a:extLst>
-          </p:cNvPr>
-          <p:cNvSpPr>
-            <a:spLocks noGrp="1"/>
-          </p:cNvSpPr>
-          <p:nvPr>
-            <p:ph idx="1"/>
-          </p:nvPr>
-        </p:nvSpPr>
-        <p:spPr/>
-        <p:txBody>
-          <a:bodyPr/>
-          <a:lstStyle/>
+          <p:cNvPr id="4" name="文本框 3">
+            <a:extLst>
+              <a:ext uri="{FF2B5EF4-FFF2-40B4-BE49-F238E27FC236}">
+                <a16:creationId xmlns:a16="http://schemas.microsoft.com/office/drawing/2014/main" id="{304205D9-B8AE-4AC6-8B7A-F5CC3FD9B897}"/>
+              </a:ext>
+            </a:extLst>
+          </p:cNvPr>
+          <p:cNvSpPr txBox="1"/>
+          <p:nvPr/>
+        </p:nvSpPr>
+        <p:spPr>
+          <a:xfrm>
+            <a:off x="6096000" y="1825625"/>
+            <a:ext cx="5257800" cy="4026535"/>
+          </a:xfrm>
+          <a:prstGeom prst="rect">
+            <a:avLst/>
+          </a:prstGeom>
+          <a:noFill/>
+        </p:spPr>
+        <p:txBody>
+          <a:bodyPr wrap="square" rtlCol="0">
+            <a:spAutoFit/>
+          </a:bodyPr>
+          <a:lstStyle/>
+          <a:p>
+            <a:endParaRPr lang="zh-CN" altLang="en-US" dirty="0"/>
+          </a:p>
+        </p:txBody>
+      </p:sp>
+      <p:sp>
+        <p:nvSpPr>
+          <p:cNvPr id="5" name="内容占位符 2">
+            <a:extLst>
+              <a:ext uri="{FF2B5EF4-FFF2-40B4-BE49-F238E27FC236}">
+                <a16:creationId xmlns:a16="http://schemas.microsoft.com/office/drawing/2014/main" id="{AD9C9074-E244-435E-BCD8-F3974CC0470C}"/>
+              </a:ext>
+            </a:extLst>
+          </p:cNvPr>
+          <p:cNvSpPr txBox="1">
+            <a:spLocks/>
+          </p:cNvSpPr>
+          <p:nvPr/>
+        </p:nvSpPr>
+        <p:spPr>
+          <a:xfrm>
+            <a:off x="6096000" y="1825625"/>
+            <a:ext cx="5257800" cy="4351338"/>
+          </a:xfrm>
+          <a:prstGeom prst="rect">
+            <a:avLst/>
+          </a:prstGeom>
+        </p:spPr>
+        <p:txBody>
+          <a:bodyPr vert="horz" lIns="91440" tIns="45720" rIns="91440" bIns="45720" rtlCol="0">
+            <a:normAutofit/>
+          </a:bodyPr>
+          <a:lstStyle>
+            <a:lvl1pPr marL="228600" indent="-228600" algn="l" defTabSz="914400" rtl="0" eaLnBrk="1" latinLnBrk="0" hangingPunct="1">
+              <a:lnSpc>
+                <a:spcPct val="90000"/>
+              </a:lnSpc>
+              <a:spcBef>
+                <a:spcPts val="1000"/>
+              </a:spcBef>
+              <a:buFont typeface="Arial" panose="020B0604020202020204" pitchFamily="34" charset="0"/>
+              <a:buChar char="•"/>
+              <a:defRPr sz="2800" kern="1200">
+                <a:solidFill>
+                  <a:schemeClr val="tx1"/>
+                </a:solidFill>
+                <a:latin typeface="+mn-lt"/>
+                <a:ea typeface="+mn-ea"/>
+                <a:cs typeface="+mn-cs"/>
+              </a:defRPr>
+            </a:lvl1pPr>
+            <a:lvl2pPr marL="685800" indent="-228600" algn="l" defTabSz="914400" rtl="0" eaLnBrk="1" latinLnBrk="0" hangingPunct="1">
+              <a:lnSpc>
+                <a:spcPct val="90000"/>
+              </a:lnSpc>
+              <a:spcBef>
+                <a:spcPts val="500"/>
+              </a:spcBef>
+              <a:buFont typeface="Arial" panose="020B0604020202020204" pitchFamily="34" charset="0"/>
+              <a:buChar char="•"/>
+              <a:defRPr sz="2400" kern="1200">
+                <a:solidFill>
+                  <a:schemeClr val="tx1"/>
+                </a:solidFill>
+                <a:latin typeface="+mn-lt"/>
+                <a:ea typeface="+mn-ea"/>
+                <a:cs typeface="+mn-cs"/>
+              </a:defRPr>
+            </a:lvl2pPr>
+            <a:lvl3pPr marL="1143000" indent="-228600" algn="l" defTabSz="914400" rtl="0" eaLnBrk="1" latinLnBrk="0" hangingPunct="1">
+              <a:lnSpc>
+                <a:spcPct val="90000"/>
+              </a:lnSpc>
+              <a:spcBef>
+                <a:spcPts val="500"/>
+              </a:spcBef>
+              <a:buFont typeface="Arial" panose="020B0604020202020204" pitchFamily="34" charset="0"/>
+              <a:buChar char="•"/>
+              <a:defRPr sz="2000" kern="1200">
+                <a:solidFill>
+                  <a:schemeClr val="tx1"/>
+                </a:solidFill>
+                <a:latin typeface="+mn-lt"/>
+                <a:ea typeface="+mn-ea"/>
+                <a:cs typeface="+mn-cs"/>
+              </a:defRPr>
+            </a:lvl3pPr>
+            <a:lvl4pPr marL="1600200" indent="-228600" algn="l" defTabSz="914400" rtl="0" eaLnBrk="1" latinLnBrk="0" hangingPunct="1">
+              <a:lnSpc>
+                <a:spcPct val="90000"/>
+              </a:lnSpc>
+              <a:spcBef>
+                <a:spcPts val="500"/>
+              </a:spcBef>
+              <a:buFont typeface="Arial" panose="020B0604020202020204" pitchFamily="34" charset="0"/>
+              <a:buChar char="•"/>
+              <a:defRPr sz="1800" kern="1200">
+                <a:solidFill>
+                  <a:schemeClr val="tx1"/>
+                </a:solidFill>
+                <a:latin typeface="+mn-lt"/>
+                <a:ea typeface="+mn-ea"/>
+                <a:cs typeface="+mn-cs"/>
+              </a:defRPr>
+            </a:lvl4pPr>
+            <a:lvl5pPr marL="2057400" indent="-228600" algn="l" defTabSz="914400" rtl="0" eaLnBrk="1" latinLnBrk="0" hangingPunct="1">
+              <a:lnSpc>
+                <a:spcPct val="90000"/>
+              </a:lnSpc>
+              <a:spcBef>
+                <a:spcPts val="500"/>
+              </a:spcBef>
+              <a:buFont typeface="Arial" panose="020B0604020202020204" pitchFamily="34" charset="0"/>
+              <a:buChar char="•"/>
+              <a:defRPr sz="1800" kern="1200">
+                <a:solidFill>
+                  <a:schemeClr val="tx1"/>
+                </a:solidFill>
+                <a:latin typeface="+mn-lt"/>
+                <a:ea typeface="+mn-ea"/>
+                <a:cs typeface="+mn-cs"/>
+              </a:defRPr>
+            </a:lvl5pPr>
+            <a:lvl6pPr marL="2514600" indent="-228600" algn="l" defTabSz="914400" rtl="0" eaLnBrk="1" latinLnBrk="0" hangingPunct="1">
+              <a:lnSpc>
+                <a:spcPct val="90000"/>
+              </a:lnSpc>
+              <a:spcBef>
+                <a:spcPts val="500"/>
+              </a:spcBef>
+              <a:buFont typeface="Arial" panose="020B0604020202020204" pitchFamily="34" charset="0"/>
+              <a:buChar char="•"/>
+              <a:defRPr sz="1800" kern="1200">
+                <a:solidFill>
+                  <a:schemeClr val="tx1"/>
+                </a:solidFill>
+                <a:latin typeface="+mn-lt"/>
+                <a:ea typeface="+mn-ea"/>
+                <a:cs typeface="+mn-cs"/>
+              </a:defRPr>
+            </a:lvl6pPr>
+            <a:lvl7pPr marL="2971800" indent="-228600" algn="l" defTabSz="914400" rtl="0" eaLnBrk="1" latinLnBrk="0" hangingPunct="1">
+              <a:lnSpc>
+                <a:spcPct val="90000"/>
+              </a:lnSpc>
+              <a:spcBef>
+                <a:spcPts val="500"/>
+              </a:spcBef>
+              <a:buFont typeface="Arial" panose="020B0604020202020204" pitchFamily="34" charset="0"/>
+              <a:buChar char="•"/>
+              <a:defRPr sz="1800" kern="1200">
+                <a:solidFill>
+                  <a:schemeClr val="tx1"/>
+                </a:solidFill>
+                <a:latin typeface="+mn-lt"/>
+                <a:ea typeface="+mn-ea"/>
+                <a:cs typeface="+mn-cs"/>
+              </a:defRPr>
+            </a:lvl7pPr>
+            <a:lvl8pPr marL="3429000" indent="-228600" algn="l" defTabSz="914400" rtl="0" eaLnBrk="1" latinLnBrk="0" hangingPunct="1">
+              <a:lnSpc>
+                <a:spcPct val="90000"/>
+              </a:lnSpc>
+              <a:spcBef>
+                <a:spcPts val="500"/>
+              </a:spcBef>
+              <a:buFont typeface="Arial" panose="020B0604020202020204" pitchFamily="34" charset="0"/>
+              <a:buChar char="•"/>
+              <a:defRPr sz="1800" kern="1200">
+                <a:solidFill>
+                  <a:schemeClr val="tx1"/>
+                </a:solidFill>
+                <a:latin typeface="+mn-lt"/>
+                <a:ea typeface="+mn-ea"/>
+                <a:cs typeface="+mn-cs"/>
+              </a:defRPr>
+            </a:lvl8pPr>
+            <a:lvl9pPr marL="3886200" indent="-228600" algn="l" defTabSz="914400" rtl="0" eaLnBrk="1" latinLnBrk="0" hangingPunct="1">
+              <a:lnSpc>
+                <a:spcPct val="90000"/>
+              </a:lnSpc>
+              <a:spcBef>
+                <a:spcPts val="500"/>
+              </a:spcBef>
+              <a:buFont typeface="Arial" panose="020B0604020202020204" pitchFamily="34" charset="0"/>
+              <a:buChar char="•"/>
+              <a:defRPr sz="1800" kern="1200">
+                <a:solidFill>
+                  <a:schemeClr val="tx1"/>
+                </a:solidFill>
+                <a:latin typeface="+mn-lt"/>
+                <a:ea typeface="+mn-ea"/>
+                <a:cs typeface="+mn-cs"/>
+              </a:defRPr>
+            </a:lvl9pPr>
+          </a:lstStyle>
+          <a:p>
+            <a:r>
+              <a:rPr lang="zh-CN" altLang="en-US" dirty="0"/>
+              <a:t>雷锋精神 </a:t>
+            </a:r>
+            <a:r>
+              <a:rPr lang="en-US" altLang="zh-CN" dirty="0"/>
+              <a:t>-&gt; </a:t>
+            </a:r>
+            <a:r>
+              <a:rPr lang="zh-CN" altLang="en-US" dirty="0"/>
+              <a:t>霜锋精神</a:t>
+            </a:r>
+            <a:endParaRPr lang="en-US" altLang="zh-CN" dirty="0"/>
+          </a:p>
+          <a:p>
+            <a:r>
+              <a:rPr lang="zh-CN" altLang="en-US" dirty="0"/>
+              <a:t>雷锋精神 </a:t>
+            </a:r>
+            <a:r>
+              <a:rPr lang="en-US" altLang="zh-CN" dirty="0"/>
+              <a:t>-&gt; </a:t>
+            </a:r>
+            <a:r>
+              <a:rPr lang="zh-CN" altLang="en-US" dirty="0"/>
+              <a:t>雷峰精神</a:t>
+            </a:r>
+            <a:endParaRPr lang="en-US" altLang="zh-CN" dirty="0"/>
+          </a:p>
+          <a:p>
+            <a:r>
+              <a:rPr lang="zh-CN" altLang="en-US" dirty="0"/>
+              <a:t>雷锋精神 </a:t>
+            </a:r>
+            <a:r>
+              <a:rPr lang="en-US" altLang="zh-CN" dirty="0"/>
+              <a:t>-&gt; </a:t>
+            </a:r>
+            <a:r>
+              <a:rPr lang="zh-CN" altLang="en-US" dirty="0"/>
+              <a:t>雷锋一神</a:t>
+            </a:r>
+            <a:endParaRPr lang="en-US" altLang="zh-CN" dirty="0"/>
+          </a:p>
+          <a:p>
+            <a:r>
+              <a:rPr lang="zh-CN" altLang="en-US" dirty="0"/>
+              <a:t>雷锋精神 </a:t>
+            </a:r>
+            <a:r>
+              <a:rPr lang="en-US" altLang="zh-CN" dirty="0"/>
+              <a:t>-&gt; </a:t>
+            </a:r>
+            <a:r>
+              <a:rPr lang="zh-CN" altLang="en-US" dirty="0"/>
+              <a:t>霜降精神</a:t>
+            </a:r>
+            <a:endParaRPr lang="en-US" altLang="zh-CN" dirty="0"/>
+          </a:p>
+          <a:p>
+            <a:endParaRPr lang="en-US" altLang="zh-CN" dirty="0"/>
+          </a:p>
+          <a:p>
+            <a:r>
+              <a:rPr lang="zh-CN" altLang="en-US" dirty="0"/>
+              <a:t>（</a:t>
+            </a:r>
+            <a:r>
+              <a:rPr lang="en-US" altLang="zh-CN" dirty="0"/>
+              <a:t>3</a:t>
+            </a:r>
+            <a:r>
+              <a:rPr lang="zh-CN" altLang="en-US" dirty="0"/>
+              <a:t>亿）</a:t>
+            </a:r>
+          </a:p>
           <a:p>
             <a:endParaRPr lang="zh-CN" altLang="en-US" dirty="0"/>
           </a:p>
@@ -4444,7 +5260,126 @@
     </p:spTree>
     <p:extLst>
       <p:ext uri="{BB962C8B-B14F-4D97-AF65-F5344CB8AC3E}">
-        <p14:creationId xmlns:p14="http://schemas.microsoft.com/office/powerpoint/2010/main" val="2970359733"/>
+        <p14:creationId xmlns:p14="http://schemas.microsoft.com/office/powerpoint/2010/main" val="2690209952"/>
+      </p:ext>
+    </p:extLst>
+  </p:cSld>
+  <p:clrMapOvr>
+    <a:masterClrMapping/>
+  </p:clrMapOvr>
+</p:sld>
+</file>
+
+<file path=ppt/slides/slide19.xml><?xml version="1.0" encoding="utf-8"?>
+<p:sld xmlns:a="http://schemas.openxmlformats.org/drawingml/2006/main" xmlns:r="http://schemas.openxmlformats.org/officeDocument/2006/relationships" xmlns:p="http://schemas.openxmlformats.org/presentationml/2006/main">
+  <p:cSld>
+    <p:spTree>
+      <p:nvGrpSpPr>
+        <p:cNvPr id="1" name=""/>
+        <p:cNvGrpSpPr/>
+        <p:nvPr/>
+      </p:nvGrpSpPr>
+      <p:grpSpPr>
+        <a:xfrm>
+          <a:off x="0" y="0"/>
+          <a:ext cx="0" cy="0"/>
+          <a:chOff x="0" y="0"/>
+          <a:chExt cx="0" cy="0"/>
+        </a:xfrm>
+      </p:grpSpPr>
+      <p:sp>
+        <p:nvSpPr>
+          <p:cNvPr id="2" name="标题 1">
+            <a:extLst>
+              <a:ext uri="{FF2B5EF4-FFF2-40B4-BE49-F238E27FC236}">
+                <a16:creationId xmlns:a16="http://schemas.microsoft.com/office/drawing/2014/main" id="{2BB8BEC1-502E-4BAF-9BFD-003E38988D82}"/>
+              </a:ext>
+            </a:extLst>
+          </p:cNvPr>
+          <p:cNvSpPr>
+            <a:spLocks noGrp="1"/>
+          </p:cNvSpPr>
+          <p:nvPr>
+            <p:ph type="title"/>
+          </p:nvPr>
+        </p:nvSpPr>
+        <p:spPr/>
+        <p:txBody>
+          <a:bodyPr/>
+          <a:lstStyle/>
+          <a:p>
+            <a:r>
+              <a:rPr lang="zh-CN" altLang="en-US" dirty="0"/>
+              <a:t>实现的功能</a:t>
+            </a:r>
+          </a:p>
+        </p:txBody>
+      </p:sp>
+      <p:sp>
+        <p:nvSpPr>
+          <p:cNvPr id="3" name="内容占位符 2">
+            <a:extLst>
+              <a:ext uri="{FF2B5EF4-FFF2-40B4-BE49-F238E27FC236}">
+                <a16:creationId xmlns:a16="http://schemas.microsoft.com/office/drawing/2014/main" id="{AE6B73E3-3C84-4988-8455-40E467587095}"/>
+              </a:ext>
+            </a:extLst>
+          </p:cNvPr>
+          <p:cNvSpPr>
+            <a:spLocks noGrp="1"/>
+          </p:cNvSpPr>
+          <p:nvPr>
+            <p:ph idx="1"/>
+          </p:nvPr>
+        </p:nvSpPr>
+        <p:spPr>
+          <a:xfrm>
+            <a:off x="838200" y="1852129"/>
+            <a:ext cx="10515600" cy="4351338"/>
+          </a:xfrm>
+        </p:spPr>
+        <p:txBody>
+          <a:bodyPr/>
+          <a:lstStyle/>
+          <a:p>
+            <a:r>
+              <a:rPr lang="zh-CN" altLang="en-US" dirty="0"/>
+              <a:t>谐音错误</a:t>
+            </a:r>
+            <a:endParaRPr lang="en-US" altLang="zh-CN" dirty="0"/>
+          </a:p>
+          <a:p>
+            <a:r>
+              <a:rPr lang="zh-CN" altLang="en-US" dirty="0"/>
+              <a:t>形近字错误</a:t>
+            </a:r>
+            <a:endParaRPr lang="en-US" altLang="zh-CN" dirty="0"/>
+          </a:p>
+          <a:p>
+            <a:r>
+              <a:rPr lang="zh-CN" altLang="en-US" dirty="0"/>
+              <a:t>顺序错误</a:t>
+            </a:r>
+            <a:endParaRPr lang="en-US" altLang="zh-CN" dirty="0"/>
+          </a:p>
+          <a:p>
+            <a:r>
+              <a:rPr lang="zh-CN" altLang="en-US" dirty="0"/>
+              <a:t>简单语法错误</a:t>
+            </a:r>
+            <a:endParaRPr lang="en-US" altLang="zh-CN" dirty="0"/>
+          </a:p>
+          <a:p>
+            <a:r>
+              <a:rPr lang="zh-CN" altLang="en-US" dirty="0"/>
+              <a:t>一句话有多个字错误可以纠正</a:t>
+            </a:r>
+          </a:p>
+        </p:txBody>
+      </p:sp>
+    </p:spTree>
+    <p:extLst>
+      <p:ext uri="{BB962C8B-B14F-4D97-AF65-F5344CB8AC3E}">
+        <p14:creationId xmlns:p14="http://schemas.microsoft.com/office/powerpoint/2010/main" val="1167248390"/>
       </p:ext>
     </p:extLst>
   </p:cSld>
@@ -4581,6 +5516,493 @@
 </p:sld>
 </file>
 
+<file path=ppt/slides/slide20.xml><?xml version="1.0" encoding="utf-8"?>
+<p:sld xmlns:a="http://schemas.openxmlformats.org/drawingml/2006/main" xmlns:r="http://schemas.openxmlformats.org/officeDocument/2006/relationships" xmlns:p="http://schemas.openxmlformats.org/presentationml/2006/main">
+  <p:cSld>
+    <p:spTree>
+      <p:nvGrpSpPr>
+        <p:cNvPr id="1" name=""/>
+        <p:cNvGrpSpPr/>
+        <p:nvPr/>
+      </p:nvGrpSpPr>
+      <p:grpSpPr>
+        <a:xfrm>
+          <a:off x="0" y="0"/>
+          <a:ext cx="0" cy="0"/>
+          <a:chOff x="0" y="0"/>
+          <a:chExt cx="0" cy="0"/>
+        </a:xfrm>
+      </p:grpSpPr>
+      <p:sp>
+        <p:nvSpPr>
+          <p:cNvPr id="2" name="标题 1">
+            <a:extLst>
+              <a:ext uri="{FF2B5EF4-FFF2-40B4-BE49-F238E27FC236}">
+                <a16:creationId xmlns:a16="http://schemas.microsoft.com/office/drawing/2014/main" id="{585F6DE1-570F-4CDA-B31A-33BF67BB7C35}"/>
+              </a:ext>
+            </a:extLst>
+          </p:cNvPr>
+          <p:cNvSpPr>
+            <a:spLocks noGrp="1"/>
+          </p:cNvSpPr>
+          <p:nvPr>
+            <p:ph type="title"/>
+          </p:nvPr>
+        </p:nvSpPr>
+        <p:spPr/>
+        <p:txBody>
+          <a:bodyPr/>
+          <a:lstStyle/>
+          <a:p>
+            <a:r>
+              <a:rPr lang="zh-CN" altLang="en-US" dirty="0"/>
+              <a:t>初步结果</a:t>
+            </a:r>
+          </a:p>
+        </p:txBody>
+      </p:sp>
+      <p:sp>
+        <p:nvSpPr>
+          <p:cNvPr id="3" name="内容占位符 2">
+            <a:extLst>
+              <a:ext uri="{FF2B5EF4-FFF2-40B4-BE49-F238E27FC236}">
+                <a16:creationId xmlns:a16="http://schemas.microsoft.com/office/drawing/2014/main" id="{C71DC0A9-429A-44C3-907A-25E448BFBB58}"/>
+              </a:ext>
+            </a:extLst>
+          </p:cNvPr>
+          <p:cNvSpPr>
+            <a:spLocks noGrp="1"/>
+          </p:cNvSpPr>
+          <p:nvPr>
+            <p:ph idx="1"/>
+          </p:nvPr>
+        </p:nvSpPr>
+        <p:spPr/>
+        <p:txBody>
+          <a:bodyPr/>
+          <a:lstStyle/>
+          <a:p>
+            <a:endParaRPr lang="zh-CN" altLang="en-US"/>
+          </a:p>
+        </p:txBody>
+      </p:sp>
+      <p:pic>
+        <p:nvPicPr>
+          <p:cNvPr id="4" name="图片 3">
+            <a:extLst>
+              <a:ext uri="{FF2B5EF4-FFF2-40B4-BE49-F238E27FC236}">
+                <a16:creationId xmlns:a16="http://schemas.microsoft.com/office/drawing/2014/main" id="{F8B91433-7F88-4C7F-BFED-B0987772965B}"/>
+              </a:ext>
+            </a:extLst>
+          </p:cNvPr>
+          <p:cNvPicPr>
+            <a:picLocks noChangeAspect="1"/>
+          </p:cNvPicPr>
+          <p:nvPr/>
+        </p:nvPicPr>
+        <p:blipFill>
+          <a:blip r:embed="rId2"/>
+          <a:stretch>
+            <a:fillRect/>
+          </a:stretch>
+        </p:blipFill>
+        <p:spPr>
+          <a:xfrm>
+            <a:off x="785183" y="1825625"/>
+            <a:ext cx="10568617" cy="1733501"/>
+          </a:xfrm>
+          <a:prstGeom prst="rect">
+            <a:avLst/>
+          </a:prstGeom>
+        </p:spPr>
+      </p:pic>
+      <p:pic>
+        <p:nvPicPr>
+          <p:cNvPr id="5" name="图片 4">
+            <a:extLst>
+              <a:ext uri="{FF2B5EF4-FFF2-40B4-BE49-F238E27FC236}">
+                <a16:creationId xmlns:a16="http://schemas.microsoft.com/office/drawing/2014/main" id="{E7317EFE-0639-4CA0-8B44-2E474419A871}"/>
+              </a:ext>
+            </a:extLst>
+          </p:cNvPr>
+          <p:cNvPicPr>
+            <a:picLocks noChangeAspect="1"/>
+          </p:cNvPicPr>
+          <p:nvPr/>
+        </p:nvPicPr>
+        <p:blipFill>
+          <a:blip r:embed="rId3"/>
+          <a:stretch>
+            <a:fillRect/>
+          </a:stretch>
+        </p:blipFill>
+        <p:spPr>
+          <a:xfrm>
+            <a:off x="785183" y="3694063"/>
+            <a:ext cx="10568617" cy="1733501"/>
+          </a:xfrm>
+          <a:prstGeom prst="rect">
+            <a:avLst/>
+          </a:prstGeom>
+        </p:spPr>
+      </p:pic>
+    </p:spTree>
+    <p:extLst>
+      <p:ext uri="{BB962C8B-B14F-4D97-AF65-F5344CB8AC3E}">
+        <p14:creationId xmlns:p14="http://schemas.microsoft.com/office/powerpoint/2010/main" val="2906624362"/>
+      </p:ext>
+    </p:extLst>
+  </p:cSld>
+  <p:clrMapOvr>
+    <a:masterClrMapping/>
+  </p:clrMapOvr>
+</p:sld>
+</file>
+
+<file path=ppt/slides/slide21.xml><?xml version="1.0" encoding="utf-8"?>
+<p:sld xmlns:a="http://schemas.openxmlformats.org/drawingml/2006/main" xmlns:r="http://schemas.openxmlformats.org/officeDocument/2006/relationships" xmlns:p="http://schemas.openxmlformats.org/presentationml/2006/main">
+  <p:cSld>
+    <p:spTree>
+      <p:nvGrpSpPr>
+        <p:cNvPr id="1" name=""/>
+        <p:cNvGrpSpPr/>
+        <p:nvPr/>
+      </p:nvGrpSpPr>
+      <p:grpSpPr>
+        <a:xfrm>
+          <a:off x="0" y="0"/>
+          <a:ext cx="0" cy="0"/>
+          <a:chOff x="0" y="0"/>
+          <a:chExt cx="0" cy="0"/>
+        </a:xfrm>
+      </p:grpSpPr>
+      <p:sp>
+        <p:nvSpPr>
+          <p:cNvPr id="2" name="标题 1">
+            <a:extLst>
+              <a:ext uri="{FF2B5EF4-FFF2-40B4-BE49-F238E27FC236}">
+                <a16:creationId xmlns:a16="http://schemas.microsoft.com/office/drawing/2014/main" id="{F7AE4193-C8D3-41BD-8DDD-131A053E4404}"/>
+              </a:ext>
+            </a:extLst>
+          </p:cNvPr>
+          <p:cNvSpPr>
+            <a:spLocks noGrp="1"/>
+          </p:cNvSpPr>
+          <p:nvPr>
+            <p:ph type="title"/>
+          </p:nvPr>
+        </p:nvSpPr>
+        <p:spPr/>
+        <p:txBody>
+          <a:bodyPr/>
+          <a:lstStyle/>
+          <a:p>
+            <a:r>
+              <a:rPr lang="zh-CN" altLang="en-US" dirty="0"/>
+              <a:t>下一步工作</a:t>
+            </a:r>
+          </a:p>
+        </p:txBody>
+      </p:sp>
+      <p:sp>
+        <p:nvSpPr>
+          <p:cNvPr id="3" name="内容占位符 2">
+            <a:extLst>
+              <a:ext uri="{FF2B5EF4-FFF2-40B4-BE49-F238E27FC236}">
+                <a16:creationId xmlns:a16="http://schemas.microsoft.com/office/drawing/2014/main" id="{7919AB8C-6167-45D7-A5E3-324C6D4E5D7C}"/>
+              </a:ext>
+            </a:extLst>
+          </p:cNvPr>
+          <p:cNvSpPr>
+            <a:spLocks noGrp="1"/>
+          </p:cNvSpPr>
+          <p:nvPr>
+            <p:ph idx="1"/>
+          </p:nvPr>
+        </p:nvSpPr>
+        <p:spPr/>
+        <p:txBody>
+          <a:bodyPr/>
+          <a:lstStyle/>
+          <a:p>
+            <a:r>
+              <a:rPr lang="zh-CN" altLang="en-US" dirty="0"/>
+              <a:t>增大训练集</a:t>
+            </a:r>
+            <a:endParaRPr lang="en-US" altLang="zh-CN" dirty="0"/>
+          </a:p>
+          <a:p>
+            <a:r>
+              <a:rPr lang="zh-CN" altLang="en-US" dirty="0"/>
+              <a:t>多</a:t>
+            </a:r>
+            <a:r>
+              <a:rPr lang="en-US" altLang="zh-CN" dirty="0"/>
+              <a:t>GPU</a:t>
+            </a:r>
+            <a:r>
+              <a:rPr lang="zh-CN" altLang="en-US" dirty="0"/>
+              <a:t>并行训练</a:t>
+            </a:r>
+            <a:endParaRPr lang="en-US" altLang="zh-CN" dirty="0"/>
+          </a:p>
+          <a:p>
+            <a:r>
+              <a:rPr lang="zh-CN" altLang="en-US" dirty="0"/>
+              <a:t>双向</a:t>
+            </a:r>
+            <a:r>
+              <a:rPr lang="en-US" altLang="zh-CN" dirty="0"/>
+              <a:t>LSTM</a:t>
+            </a:r>
+          </a:p>
+          <a:p>
+            <a:r>
+              <a:rPr lang="zh-CN" altLang="en-US" dirty="0"/>
+              <a:t>加</a:t>
+            </a:r>
+            <a:r>
+              <a:rPr lang="en-US" altLang="zh-CN" dirty="0"/>
+              <a:t>attention</a:t>
+            </a:r>
+            <a:r>
+              <a:rPr lang="zh-CN" altLang="en-US" dirty="0"/>
+              <a:t>机制</a:t>
+            </a:r>
+            <a:endParaRPr lang="en-US" altLang="zh-CN" dirty="0"/>
+          </a:p>
+          <a:p>
+            <a:r>
+              <a:rPr lang="zh-CN" altLang="en-US" dirty="0"/>
+              <a:t>处理可变长的纠错</a:t>
+            </a:r>
+            <a:endParaRPr lang="en-US" altLang="zh-CN" dirty="0"/>
+          </a:p>
+          <a:p>
+            <a:endParaRPr lang="zh-CN" altLang="en-US" dirty="0"/>
+          </a:p>
+        </p:txBody>
+      </p:sp>
+    </p:spTree>
+    <p:extLst>
+      <p:ext uri="{BB962C8B-B14F-4D97-AF65-F5344CB8AC3E}">
+        <p14:creationId xmlns:p14="http://schemas.microsoft.com/office/powerpoint/2010/main" val="3873213927"/>
+      </p:ext>
+    </p:extLst>
+  </p:cSld>
+  <p:clrMapOvr>
+    <a:masterClrMapping/>
+  </p:clrMapOvr>
+</p:sld>
+</file>
+
+<file path=ppt/slides/slide22.xml><?xml version="1.0" encoding="utf-8"?>
+<p:sld xmlns:a="http://schemas.openxmlformats.org/drawingml/2006/main" xmlns:r="http://schemas.openxmlformats.org/officeDocument/2006/relationships" xmlns:p="http://schemas.openxmlformats.org/presentationml/2006/main">
+  <p:cSld>
+    <p:spTree>
+      <p:nvGrpSpPr>
+        <p:cNvPr id="1" name=""/>
+        <p:cNvGrpSpPr/>
+        <p:nvPr/>
+      </p:nvGrpSpPr>
+      <p:grpSpPr>
+        <a:xfrm>
+          <a:off x="0" y="0"/>
+          <a:ext cx="0" cy="0"/>
+          <a:chOff x="0" y="0"/>
+          <a:chExt cx="0" cy="0"/>
+        </a:xfrm>
+      </p:grpSpPr>
+      <p:sp>
+        <p:nvSpPr>
+          <p:cNvPr id="2" name="标题 1">
+            <a:extLst>
+              <a:ext uri="{FF2B5EF4-FFF2-40B4-BE49-F238E27FC236}">
+                <a16:creationId xmlns:a16="http://schemas.microsoft.com/office/drawing/2014/main" id="{4DA5296A-4B5A-4376-9EEA-C1D21BF39E36}"/>
+              </a:ext>
+            </a:extLst>
+          </p:cNvPr>
+          <p:cNvSpPr>
+            <a:spLocks noGrp="1"/>
+          </p:cNvSpPr>
+          <p:nvPr>
+            <p:ph type="title"/>
+          </p:nvPr>
+        </p:nvSpPr>
+        <p:spPr/>
+        <p:txBody>
+          <a:bodyPr/>
+          <a:lstStyle/>
+          <a:p>
+            <a:r>
+              <a:rPr lang="zh-CN" altLang="en-US" dirty="0"/>
+              <a:t>结论与感想</a:t>
+            </a:r>
+          </a:p>
+        </p:txBody>
+      </p:sp>
+      <p:sp>
+        <p:nvSpPr>
+          <p:cNvPr id="3" name="内容占位符 2">
+            <a:extLst>
+              <a:ext uri="{FF2B5EF4-FFF2-40B4-BE49-F238E27FC236}">
+                <a16:creationId xmlns:a16="http://schemas.microsoft.com/office/drawing/2014/main" id="{B13C9A79-B62D-455E-B4E7-A75BDCF401DE}"/>
+              </a:ext>
+            </a:extLst>
+          </p:cNvPr>
+          <p:cNvSpPr>
+            <a:spLocks noGrp="1"/>
+          </p:cNvSpPr>
+          <p:nvPr>
+            <p:ph idx="1"/>
+          </p:nvPr>
+        </p:nvSpPr>
+        <p:spPr/>
+        <p:txBody>
+          <a:bodyPr/>
+          <a:lstStyle/>
+          <a:p>
+            <a:r>
+              <a:rPr lang="zh-CN" altLang="en-US" dirty="0"/>
+              <a:t>实现了</a:t>
+            </a:r>
+            <a:r>
+              <a:rPr lang="en-US" altLang="zh-CN" dirty="0"/>
+              <a:t>baseline</a:t>
+            </a:r>
+            <a:r>
+              <a:rPr lang="zh-CN" altLang="en-US" dirty="0"/>
+              <a:t>。</a:t>
+            </a:r>
+            <a:endParaRPr lang="en-US" altLang="zh-CN" dirty="0"/>
+          </a:p>
+          <a:p>
+            <a:r>
+              <a:rPr lang="zh-CN" altLang="en-US" dirty="0"/>
+              <a:t>实现了谐音纠错、形近纠错、全拼纠错等。</a:t>
+            </a:r>
+            <a:endParaRPr lang="en-US" altLang="zh-CN" dirty="0"/>
+          </a:p>
+          <a:p>
+            <a:r>
+              <a:rPr lang="zh-CN" altLang="en-US" dirty="0"/>
+              <a:t>在</a:t>
+            </a:r>
+            <a:r>
+              <a:rPr lang="en-US" altLang="zh-CN" dirty="0"/>
+              <a:t>baseline</a:t>
+            </a:r>
+            <a:r>
+              <a:rPr lang="zh-CN" altLang="en-US" dirty="0"/>
+              <a:t>上进行了尝试。</a:t>
+            </a:r>
+            <a:endParaRPr lang="en-US" altLang="zh-CN" dirty="0"/>
+          </a:p>
+          <a:p>
+            <a:r>
+              <a:rPr lang="zh-CN" altLang="en-US" dirty="0"/>
+              <a:t>初步尝试了深度学习模型</a:t>
+            </a:r>
+          </a:p>
+        </p:txBody>
+      </p:sp>
+    </p:spTree>
+    <p:extLst>
+      <p:ext uri="{BB962C8B-B14F-4D97-AF65-F5344CB8AC3E}">
+        <p14:creationId xmlns:p14="http://schemas.microsoft.com/office/powerpoint/2010/main" val="110529778"/>
+      </p:ext>
+    </p:extLst>
+  </p:cSld>
+  <p:clrMapOvr>
+    <a:masterClrMapping/>
+  </p:clrMapOvr>
+</p:sld>
+</file>
+
+<file path=ppt/slides/slide23.xml><?xml version="1.0" encoding="utf-8"?>
+<p:sld xmlns:a="http://schemas.openxmlformats.org/drawingml/2006/main" xmlns:r="http://schemas.openxmlformats.org/officeDocument/2006/relationships" xmlns:p="http://schemas.openxmlformats.org/presentationml/2006/main">
+  <p:cSld>
+    <p:spTree>
+      <p:nvGrpSpPr>
+        <p:cNvPr id="1" name=""/>
+        <p:cNvGrpSpPr/>
+        <p:nvPr/>
+      </p:nvGrpSpPr>
+      <p:grpSpPr>
+        <a:xfrm>
+          <a:off x="0" y="0"/>
+          <a:ext cx="0" cy="0"/>
+          <a:chOff x="0" y="0"/>
+          <a:chExt cx="0" cy="0"/>
+        </a:xfrm>
+      </p:grpSpPr>
+      <p:sp>
+        <p:nvSpPr>
+          <p:cNvPr id="2" name="标题 1">
+            <a:extLst>
+              <a:ext uri="{FF2B5EF4-FFF2-40B4-BE49-F238E27FC236}">
+                <a16:creationId xmlns:a16="http://schemas.microsoft.com/office/drawing/2014/main" id="{3F738418-A3A5-4ECB-B60A-62E88BF5886D}"/>
+              </a:ext>
+            </a:extLst>
+          </p:cNvPr>
+          <p:cNvSpPr>
+            <a:spLocks noGrp="1"/>
+          </p:cNvSpPr>
+          <p:nvPr>
+            <p:ph type="title"/>
+          </p:nvPr>
+        </p:nvSpPr>
+        <p:spPr/>
+        <p:txBody>
+          <a:bodyPr/>
+          <a:lstStyle/>
+          <a:p>
+            <a:r>
+              <a:rPr lang="zh-CN" altLang="en-US"/>
+              <a:t>谢谢</a:t>
+            </a:r>
+            <a:endParaRPr lang="zh-CN" altLang="en-US" dirty="0"/>
+          </a:p>
+        </p:txBody>
+      </p:sp>
+      <p:sp>
+        <p:nvSpPr>
+          <p:cNvPr id="3" name="内容占位符 2">
+            <a:extLst>
+              <a:ext uri="{FF2B5EF4-FFF2-40B4-BE49-F238E27FC236}">
+                <a16:creationId xmlns:a16="http://schemas.microsoft.com/office/drawing/2014/main" id="{B4323D95-735F-4365-8CB9-F867A79DC119}"/>
+              </a:ext>
+            </a:extLst>
+          </p:cNvPr>
+          <p:cNvSpPr>
+            <a:spLocks noGrp="1"/>
+          </p:cNvSpPr>
+          <p:nvPr>
+            <p:ph idx="1"/>
+          </p:nvPr>
+        </p:nvSpPr>
+        <p:spPr/>
+        <p:txBody>
+          <a:bodyPr/>
+          <a:lstStyle/>
+          <a:p>
+            <a:endParaRPr lang="zh-CN" altLang="en-US" dirty="0"/>
+          </a:p>
+        </p:txBody>
+      </p:sp>
+    </p:spTree>
+    <p:extLst>
+      <p:ext uri="{BB962C8B-B14F-4D97-AF65-F5344CB8AC3E}">
+        <p14:creationId xmlns:p14="http://schemas.microsoft.com/office/powerpoint/2010/main" val="2970359733"/>
+      </p:ext>
+    </p:extLst>
+  </p:cSld>
+  <p:clrMapOvr>
+    <a:masterClrMapping/>
+  </p:clrMapOvr>
+</p:sld>
+</file>
+
 <file path=ppt/slides/slide3.xml><?xml version="1.0" encoding="utf-8"?>
 <p:sld xmlns:a="http://schemas.openxmlformats.org/drawingml/2006/main" xmlns:r="http://schemas.openxmlformats.org/officeDocument/2006/relationships" xmlns:p="http://schemas.openxmlformats.org/presentationml/2006/main">
   <p:cSld>
@@ -4621,7 +6043,7 @@
           <a:p>
             <a:r>
               <a:rPr lang="zh-CN" altLang="en-US" dirty="0"/>
-              <a:t>搜索词中文纠错</a:t>
+              <a:t>中文搜索词纠错</a:t>
             </a:r>
           </a:p>
         </p:txBody>
@@ -4767,7 +6189,7 @@
           <a:p>
             <a:r>
               <a:rPr lang="zh-CN" altLang="en-US" dirty="0"/>
-              <a:t>鞋音错误</a:t>
+              <a:t>鞋音错误（同音，谐音）</a:t>
             </a:r>
             <a:endParaRPr lang="en-US" altLang="zh-CN" dirty="0"/>
           </a:p>
@@ -5073,8 +6495,8 @@
           </a:p>
         </p:txBody>
       </p:sp>
-      <mc:AlternateContent xmlns:mc="http://schemas.openxmlformats.org/markup-compatibility/2006" xmlns:a14="http://schemas.microsoft.com/office/drawing/2010/main">
-        <mc:Choice Requires="a14">
+      <mc:AlternateContent xmlns:mc="http://schemas.openxmlformats.org/markup-compatibility/2006">
+        <mc:Choice xmlns:a14="http://schemas.microsoft.com/office/drawing/2010/main" Requires="a14">
           <p:sp>
             <p:nvSpPr>
               <p:cNvPr id="3" name="内容占位符 2">
@@ -5099,13 +6521,13 @@
                 <a14:m>
                   <m:oMath xmlns:m="http://schemas.openxmlformats.org/officeDocument/2006/math">
                     <m:r>
-                      <a:rPr lang="en-US" altLang="zh-CN" sz="2000" i="1">
+                      <a:rPr lang="en-US" altLang="zh-CN" sz="2000" i="1" smtClean="0">
                         <a:latin typeface="Cambria Math" panose="02040503050406030204" pitchFamily="18" charset="0"/>
                       </a:rPr>
                       <m:t>𝐼</m:t>
                     </m:r>
                     <m:r>
-                      <a:rPr lang="en-US" altLang="zh-CN" sz="2000" i="1">
+                      <a:rPr lang="en-US" altLang="zh-CN" sz="2000" i="1" smtClean="0">
                         <a:latin typeface="Cambria Math" panose="02040503050406030204" pitchFamily="18" charset="0"/>
                       </a:rPr>
                       <m:t>=</m:t>
@@ -5143,10 +6565,10 @@
                               <m:rPr>
                                 <m:sty m:val="p"/>
                               </m:rPr>
-                              <a:rPr lang="en-US" altLang="zh-CN" sz="2000">
+                              <a:rPr lang="en-US" altLang="zh-CN" sz="2000" i="1">
                                 <a:latin typeface="Cambria Math" panose="02040503050406030204" pitchFamily="18" charset="0"/>
                               </a:rPr>
-                              <m:t>min</m:t>
+                              <m:t>max</m:t>
                             </m:r>
                           </m:fName>
                           <m:e>
@@ -5215,7 +6637,13 @@
                                       <a:rPr lang="en-US" altLang="zh-CN" sz="2000">
                                         <a:latin typeface="Cambria Math" panose="02040503050406030204" pitchFamily="18" charset="0"/>
                                       </a:rPr>
-                                      <m:t>min</m:t>
+                                      <m:t>m</m:t>
+                                    </m:r>
+                                    <m:r>
+                                      <a:rPr lang="en-US" altLang="zh-CN" sz="2000" b="0" i="1" smtClean="0">
+                                        <a:latin typeface="Cambria Math" panose="02040503050406030204" pitchFamily="18" charset="0"/>
+                                      </a:rPr>
+                                      <m:t>𝑎𝑥</m:t>
                                     </m:r>
                                   </m:fName>
                                   <m:e>
@@ -5789,7 +7217,7 @@
             </p:txBody>
           </p:sp>
         </mc:Choice>
-        <mc:Fallback xmlns="">
+        <mc:Fallback>
           <p:sp>
             <p:nvSpPr>
               <p:cNvPr id="3" name="内容占位符 2">
@@ -5995,7 +7423,7 @@
           <p:cNvPr id="2" name="标题 1">
             <a:extLst>
               <a:ext uri="{FF2B5EF4-FFF2-40B4-BE49-F238E27FC236}">
-                <a16:creationId xmlns:a16="http://schemas.microsoft.com/office/drawing/2014/main" id="{E6F9F63A-5D71-4E8E-99D2-490C2E4A643B}"/>
+                <a16:creationId xmlns:a16="http://schemas.microsoft.com/office/drawing/2014/main" id="{92F67ED3-9166-473D-A736-49BF0BE88568}"/>
               </a:ext>
             </a:extLst>
           </p:cNvPr>
@@ -6013,404 +7441,280 @@
           <a:p>
             <a:r>
               <a:rPr lang="zh-CN" altLang="en-US" dirty="0"/>
-              <a:t>结果展示</a:t>
-            </a:r>
-          </a:p>
-        </p:txBody>
-      </p:sp>
-      <p:graphicFrame>
-        <p:nvGraphicFramePr>
-          <p:cNvPr id="4" name="内容占位符 3">
-            <a:extLst>
-              <a:ext uri="{FF2B5EF4-FFF2-40B4-BE49-F238E27FC236}">
-                <a16:creationId xmlns:a16="http://schemas.microsoft.com/office/drawing/2014/main" id="{2A05E8CC-0DED-4F07-A9F9-F6ADAF6B0848}"/>
-              </a:ext>
-            </a:extLst>
-          </p:cNvPr>
-          <p:cNvGraphicFramePr>
-            <a:graphicFrameLocks noGrp="1"/>
-          </p:cNvGraphicFramePr>
-          <p:nvPr>
-            <p:ph idx="1"/>
-            <p:extLst>
-              <p:ext uri="{D42A27DB-BD31-4B8C-83A1-F6EECF244321}">
-                <p14:modId xmlns:p14="http://schemas.microsoft.com/office/powerpoint/2010/main" val="756892690"/>
-              </p:ext>
-            </p:extLst>
-          </p:nvPr>
-        </p:nvGraphicFramePr>
-        <p:xfrm>
-          <a:off x="838200" y="1539874"/>
-          <a:ext cx="10515600" cy="4289428"/>
-        </p:xfrm>
-        <a:graphic>
-          <a:graphicData uri="http://schemas.openxmlformats.org/drawingml/2006/table">
-            <a:tbl>
-              <a:tblPr firstRow="1" bandRow="1">
-                <a:tableStyleId>{5C22544A-7EE6-4342-B048-85BDC9FD1C3A}</a:tableStyleId>
-              </a:tblPr>
-              <a:tblGrid>
-                <a:gridCol w="2103120">
-                  <a:extLst>
-                    <a:ext uri="{9D8B030D-6E8A-4147-A177-3AD203B41FA5}">
-                      <a16:colId xmlns:a16="http://schemas.microsoft.com/office/drawing/2014/main" val="2185622786"/>
-                    </a:ext>
-                  </a:extLst>
-                </a:gridCol>
-                <a:gridCol w="2103120">
-                  <a:extLst>
-                    <a:ext uri="{9D8B030D-6E8A-4147-A177-3AD203B41FA5}">
-                      <a16:colId xmlns:a16="http://schemas.microsoft.com/office/drawing/2014/main" val="3307079123"/>
-                    </a:ext>
-                  </a:extLst>
-                </a:gridCol>
-                <a:gridCol w="2103120">
-                  <a:extLst>
-                    <a:ext uri="{9D8B030D-6E8A-4147-A177-3AD203B41FA5}">
-                      <a16:colId xmlns:a16="http://schemas.microsoft.com/office/drawing/2014/main" val="1463287594"/>
-                    </a:ext>
-                  </a:extLst>
-                </a:gridCol>
-                <a:gridCol w="2103120">
-                  <a:extLst>
-                    <a:ext uri="{9D8B030D-6E8A-4147-A177-3AD203B41FA5}">
-                      <a16:colId xmlns:a16="http://schemas.microsoft.com/office/drawing/2014/main" val="898506284"/>
-                    </a:ext>
-                  </a:extLst>
-                </a:gridCol>
-                <a:gridCol w="2103120">
-                  <a:extLst>
-                    <a:ext uri="{9D8B030D-6E8A-4147-A177-3AD203B41FA5}">
-                      <a16:colId xmlns:a16="http://schemas.microsoft.com/office/drawing/2014/main" val="504590912"/>
-                    </a:ext>
-                  </a:extLst>
-                </a:gridCol>
-              </a:tblGrid>
-              <a:tr h="1072357">
-                <a:tc>
-                  <a:txBody>
-                    <a:bodyPr/>
-                    <a:lstStyle/>
-                    <a:p>
-                      <a:pPr algn="ctr"/>
-                      <a:endParaRPr lang="zh-CN" altLang="en-US" sz="3200" dirty="0"/>
-                    </a:p>
-                  </a:txBody>
-                  <a:tcPr/>
-                </a:tc>
-                <a:tc>
-                  <a:txBody>
-                    <a:bodyPr/>
-                    <a:lstStyle/>
-                    <a:p>
-                      <a:pPr algn="ctr"/>
-                      <a:r>
-                        <a:rPr lang="zh-CN" altLang="en-US" sz="3200" dirty="0"/>
-                        <a:t>谐音错误</a:t>
-                      </a:r>
-                    </a:p>
-                  </a:txBody>
-                  <a:tcPr/>
-                </a:tc>
-                <a:tc>
-                  <a:txBody>
-                    <a:bodyPr/>
-                    <a:lstStyle/>
-                    <a:p>
-                      <a:pPr algn="ctr"/>
-                      <a:r>
-                        <a:rPr lang="zh-CN" altLang="en-US" sz="3200" dirty="0"/>
-                        <a:t>形近错误</a:t>
-                      </a:r>
-                    </a:p>
-                  </a:txBody>
-                  <a:tcPr/>
-                </a:tc>
-                <a:tc>
-                  <a:txBody>
-                    <a:bodyPr/>
-                    <a:lstStyle/>
-                    <a:p>
-                      <a:pPr algn="ctr"/>
-                      <a:r>
-                        <a:rPr lang="zh-CN" altLang="en-US" sz="3200" dirty="0"/>
-                        <a:t>随机错误</a:t>
-                      </a:r>
-                    </a:p>
-                  </a:txBody>
-                  <a:tcPr/>
-                </a:tc>
-                <a:tc>
-                  <a:txBody>
-                    <a:bodyPr/>
-                    <a:lstStyle/>
-                    <a:p>
-                      <a:pPr algn="ctr"/>
-                      <a:r>
-                        <a:rPr lang="zh-CN" altLang="en-US" sz="2400" dirty="0"/>
-                        <a:t>多个位置错误</a:t>
-                      </a:r>
-                    </a:p>
-                  </a:txBody>
-                  <a:tcPr/>
-                </a:tc>
+              <a:t>我们的方法</a:t>
+            </a:r>
+          </a:p>
+        </p:txBody>
+      </p:sp>
+      <mc:AlternateContent xmlns:mc="http://schemas.openxmlformats.org/markup-compatibility/2006" xmlns:a14="http://schemas.microsoft.com/office/drawing/2010/main">
+        <mc:Choice Requires="a14">
+          <p:sp>
+            <p:nvSpPr>
+              <p:cNvPr id="3" name="内容占位符 2">
                 <a:extLst>
-                  <a:ext uri="{0D108BD9-81ED-4DB2-BD59-A6C34878D82A}">
-                    <a16:rowId xmlns:a16="http://schemas.microsoft.com/office/drawing/2014/main" val="1787694609"/>
+                  <a:ext uri="{FF2B5EF4-FFF2-40B4-BE49-F238E27FC236}">
+                    <a16:creationId xmlns:a16="http://schemas.microsoft.com/office/drawing/2014/main" id="{FD551E35-CC86-47FC-B8ED-6B3D266F727C}"/>
                   </a:ext>
                 </a:extLst>
-              </a:tr>
-              <a:tr h="1072357">
-                <a:tc>
-                  <a:txBody>
-                    <a:bodyPr/>
-                    <a:lstStyle/>
-                    <a:p>
-                      <a:pPr algn="ctr"/>
-                      <a:r>
-                        <a:rPr lang="zh-CN" altLang="en-US" sz="3200" dirty="0"/>
-                        <a:t>正确个数</a:t>
-                      </a:r>
-                    </a:p>
-                  </a:txBody>
-                  <a:tcPr/>
-                </a:tc>
-                <a:tc>
-                  <a:txBody>
-                    <a:bodyPr/>
-                    <a:lstStyle/>
-                    <a:p>
-                      <a:pPr algn="ctr"/>
-                      <a:r>
-                        <a:rPr lang="en-US" altLang="zh-CN" sz="3200" dirty="0"/>
-                        <a:t>44285</a:t>
-                      </a:r>
-                      <a:endParaRPr lang="zh-CN" altLang="en-US" sz="3200" dirty="0"/>
-                    </a:p>
-                  </a:txBody>
-                  <a:tcPr/>
-                </a:tc>
-                <a:tc>
-                  <a:txBody>
-                    <a:bodyPr/>
-                    <a:lstStyle/>
-                    <a:p>
-                      <a:pPr algn="ctr"/>
-                      <a:r>
-                        <a:rPr lang="en-US" altLang="zh-CN" sz="3200" dirty="0"/>
-                        <a:t>65703</a:t>
-                      </a:r>
-                      <a:endParaRPr lang="zh-CN" altLang="en-US" sz="3200" dirty="0"/>
-                    </a:p>
-                  </a:txBody>
-                  <a:tcPr/>
-                </a:tc>
-                <a:tc>
-                  <a:txBody>
-                    <a:bodyPr/>
-                    <a:lstStyle/>
-                    <a:p>
-                      <a:pPr algn="ctr"/>
-                      <a:r>
-                        <a:rPr lang="en-US" altLang="zh-CN" sz="3200" dirty="0"/>
-                        <a:t>781</a:t>
-                      </a:r>
-                      <a:endParaRPr lang="zh-CN" altLang="en-US" sz="3200" dirty="0"/>
-                    </a:p>
-                  </a:txBody>
-                  <a:tcPr/>
-                </a:tc>
-                <a:tc>
-                  <a:txBody>
-                    <a:bodyPr/>
-                    <a:lstStyle/>
-                    <a:p>
-                      <a:pPr algn="ctr"/>
-                      <a:r>
-                        <a:rPr lang="en-US" altLang="zh-CN" sz="3200" dirty="0"/>
-                        <a:t>5012</a:t>
-                      </a:r>
-                      <a:endParaRPr lang="zh-CN" altLang="en-US" sz="3200" dirty="0"/>
-                    </a:p>
-                  </a:txBody>
-                  <a:tcPr/>
-                </a:tc>
+              </p:cNvPr>
+              <p:cNvSpPr>
+                <a:spLocks noGrp="1"/>
+              </p:cNvSpPr>
+              <p:nvPr>
+                <p:ph idx="1"/>
+              </p:nvPr>
+            </p:nvSpPr>
+            <p:spPr>
+              <a:xfrm>
+                <a:off x="838200" y="1811557"/>
+                <a:ext cx="10515600" cy="4351338"/>
+              </a:xfrm>
+            </p:spPr>
+            <p:txBody>
+              <a:bodyPr>
+                <a:normAutofit lnSpcReduction="10000"/>
+              </a:bodyPr>
+              <a:lstStyle/>
+              <a:p>
+                <a:r>
+                  <a:rPr lang="zh-CN" altLang="en-US" dirty="0"/>
+                  <a:t>语料库</a:t>
+                </a:r>
+                <a:endParaRPr lang="en-US" altLang="zh-CN" dirty="0"/>
+              </a:p>
+              <a:p>
+                <a:pPr lvl="1"/>
+                <a:r>
+                  <a:rPr lang="zh-CN" altLang="en-US" dirty="0"/>
+                  <a:t>搜狐新闻</a:t>
+                </a:r>
+                <a:r>
+                  <a:rPr lang="en-US" altLang="zh-CN" dirty="0"/>
+                  <a:t>+wiki</a:t>
+                </a:r>
+                <a:r>
+                  <a:rPr lang="zh-CN" altLang="en-US" dirty="0"/>
+                  <a:t>百科</a:t>
+                </a:r>
+                <a:r>
+                  <a:rPr lang="en-US" altLang="zh-CN" dirty="0"/>
+                  <a:t>+</a:t>
+                </a:r>
+                <a:r>
+                  <a:rPr lang="en-US" altLang="zh-CN" dirty="0" err="1"/>
+                  <a:t>webtext</a:t>
+                </a:r>
+                <a:r>
+                  <a:rPr lang="zh-CN" altLang="en-US" dirty="0"/>
+                  <a:t>数据（</a:t>
+                </a:r>
+                <a:r>
+                  <a:rPr lang="en-US" altLang="zh-CN" dirty="0"/>
+                  <a:t>645</a:t>
+                </a:r>
+                <a:r>
+                  <a:rPr lang="zh-CN" altLang="en-US" dirty="0"/>
+                  <a:t>万条）</a:t>
+                </a:r>
+                <a:endParaRPr lang="en-US" altLang="zh-CN" dirty="0"/>
+              </a:p>
+              <a:p>
+                <a:pPr lvl="1"/>
+                <a:r>
+                  <a:rPr lang="zh-CN" altLang="en-US" dirty="0"/>
+                  <a:t>形</a:t>
+                </a:r>
+                <a:r>
+                  <a:rPr lang="zh-CN" altLang="en-US"/>
+                  <a:t>近字表</a:t>
+                </a:r>
+                <a:endParaRPr lang="en-US" altLang="zh-CN" dirty="0"/>
+              </a:p>
+              <a:p>
+                <a:pPr lvl="1"/>
+                <a:r>
+                  <a:rPr lang="zh-CN" altLang="en-US" dirty="0"/>
+                  <a:t>同音字表</a:t>
+                </a:r>
+                <a:endParaRPr lang="en-US" altLang="zh-CN" dirty="0"/>
+              </a:p>
+              <a:p>
+                <a:r>
+                  <a:rPr lang="zh-CN" altLang="en-US" dirty="0"/>
+                  <a:t>先验概率估计</a:t>
+                </a:r>
+                <a14:m>
+                  <m:oMath xmlns:m="http://schemas.openxmlformats.org/officeDocument/2006/math">
+                    <m:r>
+                      <a:rPr lang="en-US" altLang="zh-CN" b="0" i="1" smtClean="0">
+                        <a:latin typeface="Cambria Math" panose="02040503050406030204" pitchFamily="18" charset="0"/>
+                      </a:rPr>
+                      <m:t>𝑃</m:t>
+                    </m:r>
+                    <m:d>
+                      <m:dPr>
+                        <m:ctrlPr>
+                          <a:rPr lang="en-US" altLang="zh-CN" b="0" i="1" smtClean="0">
+                            <a:latin typeface="Cambria Math" panose="02040503050406030204" pitchFamily="18" charset="0"/>
+                          </a:rPr>
+                        </m:ctrlPr>
+                      </m:dPr>
+                      <m:e>
+                        <m:r>
+                          <a:rPr lang="en-US" altLang="zh-CN" b="0" i="1" smtClean="0">
+                            <a:latin typeface="Cambria Math" panose="02040503050406030204" pitchFamily="18" charset="0"/>
+                          </a:rPr>
+                          <m:t>𝐼</m:t>
+                        </m:r>
+                      </m:e>
+                      <m:e>
+                        <m:r>
+                          <a:rPr lang="en-US" altLang="zh-CN" b="0" i="1" smtClean="0">
+                            <a:latin typeface="Cambria Math" panose="02040503050406030204" pitchFamily="18" charset="0"/>
+                          </a:rPr>
+                          <m:t>𝑂</m:t>
+                        </m:r>
+                      </m:e>
+                    </m:d>
+                  </m:oMath>
+                </a14:m>
+                <a:endParaRPr lang="en-US" altLang="zh-CN" b="0" dirty="0"/>
+              </a:p>
+              <a:p>
+                <a:pPr lvl="1"/>
+                <a:r>
+                  <a:rPr lang="zh-CN" altLang="en-US" dirty="0"/>
+                  <a:t>同音</a:t>
+                </a:r>
+                <a:endParaRPr lang="en-US" altLang="zh-CN" dirty="0"/>
+              </a:p>
+              <a:p>
+                <a:pPr lvl="1"/>
+                <a:r>
+                  <a:rPr lang="zh-CN" altLang="en-US" b="0" dirty="0"/>
+                  <a:t>形近</a:t>
+                </a:r>
+                <a:endParaRPr lang="en-US" altLang="zh-CN" b="0" dirty="0"/>
+              </a:p>
+              <a:p>
+                <a:pPr lvl="1"/>
+                <a:r>
+                  <a:rPr lang="zh-CN" altLang="en-US" dirty="0"/>
+                  <a:t>全拼</a:t>
+                </a:r>
+                <a:endParaRPr lang="en-US" altLang="zh-CN" b="0" dirty="0"/>
+              </a:p>
+              <a:p>
+                <a:r>
+                  <a:rPr lang="zh-CN" altLang="en-US" dirty="0"/>
+                  <a:t>语言模型</a:t>
+                </a:r>
+                <a14:m>
+                  <m:oMath xmlns:m="http://schemas.openxmlformats.org/officeDocument/2006/math">
+                    <m:r>
+                      <a:rPr lang="en-US" altLang="zh-CN" b="0" i="1" smtClean="0">
+                        <a:latin typeface="Cambria Math" panose="02040503050406030204" pitchFamily="18" charset="0"/>
+                      </a:rPr>
+                      <m:t>𝑃</m:t>
+                    </m:r>
+                    <m:d>
+                      <m:dPr>
+                        <m:ctrlPr>
+                          <a:rPr lang="en-US" altLang="zh-CN" b="0" i="1" smtClean="0">
+                            <a:latin typeface="Cambria Math" panose="02040503050406030204" pitchFamily="18" charset="0"/>
+                          </a:rPr>
+                        </m:ctrlPr>
+                      </m:dPr>
+                      <m:e>
+                        <m:r>
+                          <a:rPr lang="en-US" altLang="zh-CN" b="0" i="1" smtClean="0">
+                            <a:latin typeface="Cambria Math" panose="02040503050406030204" pitchFamily="18" charset="0"/>
+                          </a:rPr>
+                          <m:t>𝑂</m:t>
+                        </m:r>
+                      </m:e>
+                    </m:d>
+                  </m:oMath>
+                </a14:m>
+                <a:endParaRPr lang="en-US" altLang="zh-CN" b="0" dirty="0"/>
+              </a:p>
+              <a:p>
+                <a:pPr lvl="1"/>
+                <a:r>
+                  <a:rPr lang="en-US" altLang="zh-CN" dirty="0" err="1"/>
+                  <a:t>n</a:t>
+                </a:r>
+                <a:r>
+                  <a:rPr lang="en-US" altLang="zh-CN" b="0" dirty="0" err="1"/>
+                  <a:t>ltk</a:t>
+                </a:r>
+                <a:endParaRPr lang="en-US" altLang="zh-CN" b="0" dirty="0"/>
+              </a:p>
+              <a:p>
+                <a:pPr lvl="1"/>
+                <a:r>
+                  <a:rPr lang="en-US" altLang="zh-CN" dirty="0" err="1"/>
+                  <a:t>kenlm</a:t>
+                </a:r>
+                <a:endParaRPr lang="en-US" altLang="zh-CN" b="0" dirty="0"/>
+              </a:p>
+              <a:p>
+                <a:endParaRPr lang="en-US" altLang="zh-CN" dirty="0"/>
+              </a:p>
+              <a:p>
+                <a:endParaRPr lang="en-US" altLang="zh-CN" dirty="0"/>
+              </a:p>
+            </p:txBody>
+          </p:sp>
+        </mc:Choice>
+        <mc:Fallback xmlns="">
+          <p:sp>
+            <p:nvSpPr>
+              <p:cNvPr id="3" name="内容占位符 2">
                 <a:extLst>
-                  <a:ext uri="{0D108BD9-81ED-4DB2-BD59-A6C34878D82A}">
-                    <a16:rowId xmlns:a16="http://schemas.microsoft.com/office/drawing/2014/main" val="3469411273"/>
+                  <a:ext uri="{FF2B5EF4-FFF2-40B4-BE49-F238E27FC236}">
+                    <a16:creationId xmlns:a16="http://schemas.microsoft.com/office/drawing/2014/main" id="{FD551E35-CC86-47FC-B8ED-6B3D266F727C}"/>
                   </a:ext>
                 </a:extLst>
-              </a:tr>
-              <a:tr h="1072357">
-                <a:tc>
-                  <a:txBody>
-                    <a:bodyPr/>
-                    <a:lstStyle/>
-                    <a:p>
-                      <a:pPr algn="ctr"/>
-                      <a:r>
-                        <a:rPr lang="zh-CN" altLang="en-US" sz="3200" dirty="0"/>
-                        <a:t>总个数</a:t>
-                      </a:r>
-                    </a:p>
-                  </a:txBody>
-                  <a:tcPr/>
-                </a:tc>
-                <a:tc>
-                  <a:txBody>
-                    <a:bodyPr/>
-                    <a:lstStyle/>
-                    <a:p>
-                      <a:pPr algn="ctr"/>
-                      <a:r>
-                        <a:rPr lang="en-US" altLang="zh-CN" sz="3200" dirty="0"/>
-                        <a:t>47413</a:t>
-                      </a:r>
-                      <a:endParaRPr lang="zh-CN" altLang="en-US" sz="3200" dirty="0"/>
-                    </a:p>
-                  </a:txBody>
-                  <a:tcPr/>
-                </a:tc>
-                <a:tc>
-                  <a:txBody>
-                    <a:bodyPr/>
-                    <a:lstStyle/>
-                    <a:p>
-                      <a:pPr algn="ctr"/>
-                      <a:r>
-                        <a:rPr lang="en-US" altLang="zh-CN" sz="3200" dirty="0"/>
-                        <a:t>75457</a:t>
-                      </a:r>
-                      <a:endParaRPr lang="zh-CN" altLang="en-US" sz="3200" dirty="0"/>
-                    </a:p>
-                  </a:txBody>
-                  <a:tcPr/>
-                </a:tc>
-                <a:tc>
-                  <a:txBody>
-                    <a:bodyPr/>
-                    <a:lstStyle/>
-                    <a:p>
-                      <a:pPr algn="ctr"/>
-                      <a:r>
-                        <a:rPr lang="en-US" altLang="zh-CN" sz="3200" dirty="0"/>
-                        <a:t>92802</a:t>
-                      </a:r>
-                      <a:endParaRPr lang="zh-CN" altLang="en-US" sz="3200" dirty="0"/>
-                    </a:p>
-                  </a:txBody>
-                  <a:tcPr/>
-                </a:tc>
-                <a:tc>
-                  <a:txBody>
-                    <a:bodyPr/>
-                    <a:lstStyle/>
-                    <a:p>
-                      <a:pPr algn="ctr"/>
-                      <a:r>
-                        <a:rPr lang="en-US" altLang="zh-CN" sz="3200" dirty="0"/>
-                        <a:t>168328</a:t>
-                      </a:r>
-                      <a:endParaRPr lang="zh-CN" altLang="en-US" sz="3200" dirty="0"/>
-                    </a:p>
-                  </a:txBody>
-                  <a:tcPr/>
-                </a:tc>
-                <a:extLst>
-                  <a:ext uri="{0D108BD9-81ED-4DB2-BD59-A6C34878D82A}">
-                    <a16:rowId xmlns:a16="http://schemas.microsoft.com/office/drawing/2014/main" val="1910439822"/>
-                  </a:ext>
-                </a:extLst>
-              </a:tr>
-              <a:tr h="1072357">
-                <a:tc>
-                  <a:txBody>
-                    <a:bodyPr/>
-                    <a:lstStyle/>
-                    <a:p>
-                      <a:pPr algn="ctr"/>
-                      <a:r>
-                        <a:rPr lang="zh-CN" altLang="en-US" sz="3200" dirty="0"/>
-                        <a:t>正确率</a:t>
-                      </a:r>
-                    </a:p>
-                  </a:txBody>
-                  <a:tcPr/>
-                </a:tc>
-                <a:tc>
-                  <a:txBody>
-                    <a:bodyPr/>
-                    <a:lstStyle/>
-                    <a:p>
-                      <a:pPr algn="ctr"/>
-                      <a:r>
-                        <a:rPr lang="en-US" altLang="zh-CN" sz="3200" dirty="0"/>
-                        <a:t>0.94</a:t>
-                      </a:r>
-                      <a:endParaRPr lang="zh-CN" altLang="en-US" sz="3200" dirty="0"/>
-                    </a:p>
-                  </a:txBody>
-                  <a:tcPr/>
-                </a:tc>
-                <a:tc>
-                  <a:txBody>
-                    <a:bodyPr/>
-                    <a:lstStyle/>
-                    <a:p>
-                      <a:pPr algn="ctr"/>
-                      <a:r>
-                        <a:rPr lang="en-US" altLang="zh-CN" sz="3200" dirty="0"/>
-                        <a:t>0.87</a:t>
-                      </a:r>
-                      <a:endParaRPr lang="zh-CN" altLang="en-US" sz="3200" dirty="0"/>
-                    </a:p>
-                  </a:txBody>
-                  <a:tcPr/>
-                </a:tc>
-                <a:tc>
-                  <a:txBody>
-                    <a:bodyPr/>
-                    <a:lstStyle/>
-                    <a:p>
-                      <a:pPr algn="ctr"/>
-                      <a:r>
-                        <a:rPr lang="en-US" altLang="zh-CN" sz="3200" dirty="0"/>
-                        <a:t>0.01</a:t>
-                      </a:r>
-                      <a:endParaRPr lang="zh-CN" altLang="en-US" sz="3200" dirty="0"/>
-                    </a:p>
-                  </a:txBody>
-                  <a:tcPr/>
-                </a:tc>
-                <a:tc>
-                  <a:txBody>
-                    <a:bodyPr/>
-                    <a:lstStyle/>
-                    <a:p>
-                      <a:pPr algn="ctr"/>
-                      <a:r>
-                        <a:rPr lang="en-US" altLang="zh-CN" sz="3200" dirty="0"/>
-                        <a:t>0.03</a:t>
-                      </a:r>
-                      <a:endParaRPr lang="zh-CN" altLang="en-US" sz="3200" dirty="0"/>
-                    </a:p>
-                  </a:txBody>
-                  <a:tcPr/>
-                </a:tc>
-                <a:extLst>
-                  <a:ext uri="{0D108BD9-81ED-4DB2-BD59-A6C34878D82A}">
-                    <a16:rowId xmlns:a16="http://schemas.microsoft.com/office/drawing/2014/main" val="1527762948"/>
-                  </a:ext>
-                </a:extLst>
-              </a:tr>
-            </a:tbl>
-          </a:graphicData>
-        </a:graphic>
-      </p:graphicFrame>
+              </p:cNvPr>
+              <p:cNvSpPr>
+                <a:spLocks noGrp="1" noRot="1" noChangeAspect="1" noMove="1" noResize="1" noEditPoints="1" noAdjustHandles="1" noChangeArrowheads="1" noChangeShapeType="1" noTextEdit="1"/>
+              </p:cNvSpPr>
+              <p:nvPr>
+                <p:ph idx="1"/>
+              </p:nvPr>
+            </p:nvSpPr>
+            <p:spPr>
+              <a:xfrm>
+                <a:off x="838200" y="1811557"/>
+                <a:ext cx="10515600" cy="4351338"/>
+              </a:xfrm>
+              <a:blipFill>
+                <a:blip r:embed="rId2"/>
+                <a:stretch>
+                  <a:fillRect l="-1043" t="-3221" b="-420"/>
+                </a:stretch>
+              </a:blipFill>
+            </p:spPr>
+            <p:txBody>
+              <a:bodyPr/>
+              <a:lstStyle/>
+              <a:p>
+                <a:r>
+                  <a:rPr lang="zh-CN" altLang="en-US">
+                    <a:noFill/>
+                  </a:rPr>
+                  <a:t> </a:t>
+                </a:r>
+              </a:p>
+            </p:txBody>
+          </p:sp>
+        </mc:Fallback>
+      </mc:AlternateContent>
     </p:spTree>
     <p:extLst>
       <p:ext uri="{BB962C8B-B14F-4D97-AF65-F5344CB8AC3E}">
-        <p14:creationId xmlns:p14="http://schemas.microsoft.com/office/powerpoint/2010/main" val="4035616382"/>
+        <p14:creationId xmlns:p14="http://schemas.microsoft.com/office/powerpoint/2010/main" val="2699814733"/>
       </p:ext>
     </p:extLst>
   </p:cSld>
